--- a/lesson03.pptx
+++ b/lesson03.pptx
@@ -5,7 +5,7 @@
     <p:sldMasterId id="2147483648" r:id="rId1"/>
   </p:sldMasterIdLst>
   <p:notesMasterIdLst>
-    <p:notesMasterId r:id="rId45"/>
+    <p:notesMasterId r:id="rId42"/>
   </p:notesMasterIdLst>
   <p:sldIdLst>
     <p:sldId id="496" r:id="rId2"/>
@@ -32,25 +32,22 @@
     <p:sldId id="513" r:id="rId23"/>
     <p:sldId id="514" r:id="rId24"/>
     <p:sldId id="515" r:id="rId25"/>
-    <p:sldId id="519" r:id="rId26"/>
-    <p:sldId id="423" r:id="rId27"/>
-    <p:sldId id="424" r:id="rId28"/>
-    <p:sldId id="566" r:id="rId29"/>
-    <p:sldId id="474" r:id="rId30"/>
-    <p:sldId id="475" r:id="rId31"/>
-    <p:sldId id="476" r:id="rId32"/>
-    <p:sldId id="425" r:id="rId33"/>
-    <p:sldId id="408" r:id="rId34"/>
-    <p:sldId id="422" r:id="rId35"/>
-    <p:sldId id="565" r:id="rId36"/>
-    <p:sldId id="387" r:id="rId37"/>
-    <p:sldId id="521" r:id="rId38"/>
-    <p:sldId id="526" r:id="rId39"/>
-    <p:sldId id="449" r:id="rId40"/>
-    <p:sldId id="559" r:id="rId41"/>
-    <p:sldId id="525" r:id="rId42"/>
-    <p:sldId id="527" r:id="rId43"/>
-    <p:sldId id="444" r:id="rId44"/>
+    <p:sldId id="423" r:id="rId26"/>
+    <p:sldId id="424" r:id="rId27"/>
+    <p:sldId id="566" r:id="rId28"/>
+    <p:sldId id="474" r:id="rId29"/>
+    <p:sldId id="475" r:id="rId30"/>
+    <p:sldId id="476" r:id="rId31"/>
+    <p:sldId id="425" r:id="rId32"/>
+    <p:sldId id="408" r:id="rId33"/>
+    <p:sldId id="422" r:id="rId34"/>
+    <p:sldId id="521" r:id="rId35"/>
+    <p:sldId id="526" r:id="rId36"/>
+    <p:sldId id="449" r:id="rId37"/>
+    <p:sldId id="559" r:id="rId38"/>
+    <p:sldId id="525" r:id="rId39"/>
+    <p:sldId id="527" r:id="rId40"/>
+    <p:sldId id="444" r:id="rId41"/>
   </p:sldIdLst>
   <p:sldSz cx="12192000" cy="6858000"/>
   <p:notesSz cx="6858000" cy="9144000"/>
@@ -172,7 +169,6 @@
 <p1510:revInfo xmlns:a="http://schemas.openxmlformats.org/drawingml/2006/main" xmlns:r="http://schemas.openxmlformats.org/officeDocument/2006/relationships" xmlns:p1510="http://schemas.microsoft.com/office/powerpoint/2015/10/main">
   <p1510:revLst>
     <p1510:client id="{4D706A2C-F85E-42B1-8ADD-5537800B2C38}" v="15" dt="2022-01-24T07:44:06.752"/>
-    <p1510:client id="{EDC6EF7A-E9C1-44DE-819C-E91DD52383BB}" v="2" dt="2022-01-23T19:15:47.487"/>
   </p1510:revLst>
 </p1510:revInfo>
 </file>
@@ -680,7 +676,7 @@
   <pc:docChgLst>
     <pc:chgData name="Anatoliy Kigel" userId="7432c6c4687b0a9c" providerId="LiveId" clId="{4D706A2C-F85E-42B1-8ADD-5537800B2C38}"/>
     <pc:docChg chg="undo redo custSel addSld delSld modSld">
-      <pc:chgData name="Anatoliy Kigel" userId="7432c6c4687b0a9c" providerId="LiveId" clId="{4D706A2C-F85E-42B1-8ADD-5537800B2C38}" dt="2022-01-24T07:44:19.487" v="270" actId="1035"/>
+      <pc:chgData name="Anatoliy Kigel" userId="7432c6c4687b0a9c" providerId="LiveId" clId="{4D706A2C-F85E-42B1-8ADD-5537800B2C38}" dt="2022-01-29T18:22:09.229" v="329" actId="47"/>
       <pc:docMkLst>
         <pc:docMk/>
       </pc:docMkLst>
@@ -691,8 +687,8 @@
           <pc:sldMk cId="1023776530" sldId="362"/>
         </pc:sldMkLst>
       </pc:sldChg>
-      <pc:sldChg chg="delSp modSp add mod">
-        <pc:chgData name="Anatoliy Kigel" userId="7432c6c4687b0a9c" providerId="LiveId" clId="{4D706A2C-F85E-42B1-8ADD-5537800B2C38}" dt="2022-01-24T07:30:53.732" v="86" actId="20577"/>
+      <pc:sldChg chg="delSp modSp add del mod">
+        <pc:chgData name="Anatoliy Kigel" userId="7432c6c4687b0a9c" providerId="LiveId" clId="{4D706A2C-F85E-42B1-8ADD-5537800B2C38}" dt="2022-01-29T18:22:09.229" v="329" actId="47"/>
         <pc:sldMkLst>
           <pc:docMk/>
           <pc:sldMk cId="3522936592" sldId="387"/>
@@ -771,6 +767,21 @@
         </pc:spChg>
       </pc:sldChg>
       <pc:sldChg chg="modSp mod">
+        <pc:chgData name="Anatoliy Kigel" userId="7432c6c4687b0a9c" providerId="LiveId" clId="{4D706A2C-F85E-42B1-8ADD-5537800B2C38}" dt="2022-01-29T18:20:13.593" v="278" actId="20577"/>
+        <pc:sldMkLst>
+          <pc:docMk/>
+          <pc:sldMk cId="3253847286" sldId="413"/>
+        </pc:sldMkLst>
+        <pc:spChg chg="mod">
+          <ac:chgData name="Anatoliy Kigel" userId="7432c6c4687b0a9c" providerId="LiveId" clId="{4D706A2C-F85E-42B1-8ADD-5537800B2C38}" dt="2022-01-29T18:20:13.593" v="278" actId="20577"/>
+          <ac:spMkLst>
+            <pc:docMk/>
+            <pc:sldMk cId="3253847286" sldId="413"/>
+            <ac:spMk id="5" creationId="{00000000-0000-0000-0000-000000000000}"/>
+          </ac:spMkLst>
+        </pc:spChg>
+      </pc:sldChg>
+      <pc:sldChg chg="modSp mod">
         <pc:chgData name="Anatoliy Kigel" userId="7432c6c4687b0a9c" providerId="LiveId" clId="{4D706A2C-F85E-42B1-8ADD-5537800B2C38}" dt="2022-01-24T07:42:29.964" v="166" actId="20577"/>
         <pc:sldMkLst>
           <pc:docMk/>
@@ -815,13 +826,13 @@
         </pc:sldMkLst>
       </pc:sldChg>
       <pc:sldChg chg="modSp mod">
-        <pc:chgData name="Anatoliy Kigel" userId="7432c6c4687b0a9c" providerId="LiveId" clId="{4D706A2C-F85E-42B1-8ADD-5537800B2C38}" dt="2022-01-24T07:35:54.881" v="122" actId="20577"/>
+        <pc:chgData name="Anatoliy Kigel" userId="7432c6c4687b0a9c" providerId="LiveId" clId="{4D706A2C-F85E-42B1-8ADD-5537800B2C38}" dt="2022-01-29T18:22:02.362" v="328" actId="20577"/>
         <pc:sldMkLst>
           <pc:docMk/>
           <pc:sldMk cId="236005783" sldId="425"/>
         </pc:sldMkLst>
         <pc:spChg chg="mod">
-          <ac:chgData name="Anatoliy Kigel" userId="7432c6c4687b0a9c" providerId="LiveId" clId="{4D706A2C-F85E-42B1-8ADD-5537800B2C38}" dt="2022-01-24T07:35:54.881" v="122" actId="20577"/>
+          <ac:chgData name="Anatoliy Kigel" userId="7432c6c4687b0a9c" providerId="LiveId" clId="{4D706A2C-F85E-42B1-8ADD-5537800B2C38}" dt="2022-01-29T18:22:02.362" v="328" actId="20577"/>
           <ac:spMkLst>
             <pc:docMk/>
             <pc:sldMk cId="236005783" sldId="425"/>
@@ -895,6 +906,36 @@
             <ac:spMk id="7" creationId="{00000000-0000-0000-0000-000000000000}"/>
           </ac:spMkLst>
         </pc:spChg>
+      </pc:sldChg>
+      <pc:sldChg chg="modSp mod">
+        <pc:chgData name="Anatoliy Kigel" userId="7432c6c4687b0a9c" providerId="LiveId" clId="{4D706A2C-F85E-42B1-8ADD-5537800B2C38}" dt="2022-01-29T18:21:11.392" v="324" actId="20577"/>
+        <pc:sldMkLst>
+          <pc:docMk/>
+          <pc:sldMk cId="1473843389" sldId="514"/>
+        </pc:sldMkLst>
+        <pc:spChg chg="mod">
+          <ac:chgData name="Anatoliy Kigel" userId="7432c6c4687b0a9c" providerId="LiveId" clId="{4D706A2C-F85E-42B1-8ADD-5537800B2C38}" dt="2022-01-29T18:21:05.282" v="311" actId="403"/>
+          <ac:spMkLst>
+            <pc:docMk/>
+            <pc:sldMk cId="1473843389" sldId="514"/>
+            <ac:spMk id="25" creationId="{00000000-0000-0000-0000-000000000000}"/>
+          </ac:spMkLst>
+        </pc:spChg>
+        <pc:spChg chg="mod">
+          <ac:chgData name="Anatoliy Kigel" userId="7432c6c4687b0a9c" providerId="LiveId" clId="{4D706A2C-F85E-42B1-8ADD-5537800B2C38}" dt="2022-01-29T18:21:11.392" v="324" actId="20577"/>
+          <ac:spMkLst>
+            <pc:docMk/>
+            <pc:sldMk cId="1473843389" sldId="514"/>
+            <ac:spMk id="26" creationId="{00000000-0000-0000-0000-000000000000}"/>
+          </ac:spMkLst>
+        </pc:spChg>
+      </pc:sldChg>
+      <pc:sldChg chg="del">
+        <pc:chgData name="Anatoliy Kigel" userId="7432c6c4687b0a9c" providerId="LiveId" clId="{4D706A2C-F85E-42B1-8ADD-5537800B2C38}" dt="2022-01-29T18:21:16.467" v="325" actId="47"/>
+        <pc:sldMkLst>
+          <pc:docMk/>
+          <pc:sldMk cId="2592369890" sldId="519"/>
+        </pc:sldMkLst>
       </pc:sldChg>
       <pc:sldChg chg="modSp mod">
         <pc:chgData name="Anatoliy Kigel" userId="7432c6c4687b0a9c" providerId="LiveId" clId="{4D706A2C-F85E-42B1-8ADD-5537800B2C38}" dt="2022-01-24T07:34:40.119" v="112" actId="1036"/>
@@ -988,8 +1029,8 @@
           <pc:sldMk cId="81633327" sldId="564"/>
         </pc:sldMkLst>
       </pc:sldChg>
-      <pc:sldChg chg="modSp add mod">
-        <pc:chgData name="Anatoliy Kigel" userId="7432c6c4687b0a9c" providerId="LiveId" clId="{4D706A2C-F85E-42B1-8ADD-5537800B2C38}" dt="2022-01-24T07:35:59.202" v="126" actId="20577"/>
+      <pc:sldChg chg="modSp add del mod">
+        <pc:chgData name="Anatoliy Kigel" userId="7432c6c4687b0a9c" providerId="LiveId" clId="{4D706A2C-F85E-42B1-8ADD-5537800B2C38}" dt="2022-01-29T18:22:09.229" v="329" actId="47"/>
         <pc:sldMkLst>
           <pc:docMk/>
           <pc:sldMk cId="417739081" sldId="565"/>
@@ -1841,7 +1882,7 @@
             <a:fld id="{85522811-C5C6-42D2-A409-F8556720C93F}" type="datetimeFigureOut">
               <a:rPr lang="uk-UA" smtClean="0"/>
               <a:pPr/>
-              <a:t>24.01.2022</a:t>
+              <a:t>29.01.2022</a:t>
             </a:fld>
             <a:endParaRPr lang="uk-UA"/>
           </a:p>
@@ -2381,7 +2422,7 @@
             <a:fld id="{E6FC6B0D-6115-4D7C-8040-9C8E2349BB6E}" type="datetime1">
               <a:rPr lang="uk-UA" smtClean="0"/>
               <a:pPr/>
-              <a:t>24.01.2022</a:t>
+              <a:t>29.01.2022</a:t>
             </a:fld>
             <a:endParaRPr lang="uk-UA"/>
           </a:p>
@@ -2548,7 +2589,7 @@
             <a:fld id="{996367BA-0A39-4DE2-BFC3-D5290044365E}" type="datetime1">
               <a:rPr lang="uk-UA" smtClean="0"/>
               <a:pPr/>
-              <a:t>24.01.2022</a:t>
+              <a:t>29.01.2022</a:t>
             </a:fld>
             <a:endParaRPr lang="uk-UA"/>
           </a:p>
@@ -2725,7 +2766,7 @@
             <a:fld id="{1BD6A67F-6C29-47DC-AF8A-FDB3C787DF70}" type="datetime1">
               <a:rPr lang="uk-UA" smtClean="0"/>
               <a:pPr/>
-              <a:t>24.01.2022</a:t>
+              <a:t>29.01.2022</a:t>
             </a:fld>
             <a:endParaRPr lang="uk-UA"/>
           </a:p>
@@ -2892,7 +2933,7 @@
             <a:fld id="{1657D9C5-7FF1-434F-B56E-9BAD559744E9}" type="datetime1">
               <a:rPr lang="uk-UA" smtClean="0"/>
               <a:pPr/>
-              <a:t>24.01.2022</a:t>
+              <a:t>29.01.2022</a:t>
             </a:fld>
             <a:endParaRPr lang="uk-UA"/>
           </a:p>
@@ -3135,7 +3176,7 @@
             <a:fld id="{2CEB0FC9-DE63-476B-A1A9-BE934D9049F8}" type="datetime1">
               <a:rPr lang="uk-UA" smtClean="0"/>
               <a:pPr/>
-              <a:t>24.01.2022</a:t>
+              <a:t>29.01.2022</a:t>
             </a:fld>
             <a:endParaRPr lang="uk-UA"/>
           </a:p>
@@ -3420,7 +3461,7 @@
             <a:fld id="{F964460F-86E2-4DF6-9D0F-12F5005CF375}" type="datetime1">
               <a:rPr lang="uk-UA" smtClean="0"/>
               <a:pPr/>
-              <a:t>24.01.2022</a:t>
+              <a:t>29.01.2022</a:t>
             </a:fld>
             <a:endParaRPr lang="uk-UA"/>
           </a:p>
@@ -3839,7 +3880,7 @@
             <a:fld id="{C521715E-DDCD-4267-B0A5-2918B6F6768A}" type="datetime1">
               <a:rPr lang="uk-UA" smtClean="0"/>
               <a:pPr/>
-              <a:t>24.01.2022</a:t>
+              <a:t>29.01.2022</a:t>
             </a:fld>
             <a:endParaRPr lang="uk-UA"/>
           </a:p>
@@ -3954,7 +3995,7 @@
             <a:fld id="{9289842C-EB2D-4EBB-A272-2F6A49D9794D}" type="datetime1">
               <a:rPr lang="uk-UA" smtClean="0"/>
               <a:pPr/>
-              <a:t>24.01.2022</a:t>
+              <a:t>29.01.2022</a:t>
             </a:fld>
             <a:endParaRPr lang="uk-UA"/>
           </a:p>
@@ -4046,7 +4087,7 @@
             <a:fld id="{D036F091-B700-4B52-99AC-85D0FD94D904}" type="datetime1">
               <a:rPr lang="uk-UA" smtClean="0"/>
               <a:pPr/>
-              <a:t>24.01.2022</a:t>
+              <a:t>29.01.2022</a:t>
             </a:fld>
             <a:endParaRPr lang="uk-UA"/>
           </a:p>
@@ -4320,7 +4361,7 @@
             <a:fld id="{B35DFABA-3811-4634-B803-2EAC4CD0063B}" type="datetime1">
               <a:rPr lang="uk-UA" smtClean="0"/>
               <a:pPr/>
-              <a:t>24.01.2022</a:t>
+              <a:t>29.01.2022</a:t>
             </a:fld>
             <a:endParaRPr lang="uk-UA"/>
           </a:p>
@@ -4570,7 +4611,7 @@
             <a:fld id="{8A9EA25E-F88E-463A-A119-D1E55A881002}" type="datetime1">
               <a:rPr lang="uk-UA" smtClean="0"/>
               <a:pPr/>
-              <a:t>24.01.2022</a:t>
+              <a:t>29.01.2022</a:t>
             </a:fld>
             <a:endParaRPr lang="uk-UA"/>
           </a:p>
@@ -4780,7 +4821,7 @@
             <a:fld id="{E708ED03-0080-49A2-B709-7DA4ACB3A1C3}" type="datetime1">
               <a:rPr lang="uk-UA" smtClean="0"/>
               <a:pPr/>
-              <a:t>24.01.2022</a:t>
+              <a:t>29.01.2022</a:t>
             </a:fld>
             <a:endParaRPr lang="uk-UA"/>
           </a:p>
@@ -8919,8 +8960,8 @@
         </p:nvSpPr>
         <p:spPr>
           <a:xfrm>
-            <a:off x="0" y="548680"/>
-            <a:ext cx="12192000" cy="707886"/>
+            <a:off x="0" y="692696"/>
+            <a:ext cx="12192000" cy="769441"/>
           </a:xfrm>
           <a:prstGeom prst="rect">
             <a:avLst/>
@@ -8935,22 +8976,43 @@
           <a:p>
             <a:pPr algn="ctr"/>
             <a:r>
-              <a:rPr lang="ru-RU" sz="4000" b="1" dirty="0"/>
+              <a:rPr lang="ru-RU" sz="4400" b="1" dirty="0"/>
               <a:t>Глобальный объект </a:t>
             </a:r>
             <a:r>
-              <a:rPr lang="en-US" sz="4000" b="1" dirty="0">
+              <a:rPr lang="en-US" sz="4400" b="1" dirty="0">
                 <a:solidFill>
                   <a:srgbClr val="00B050"/>
                 </a:solidFill>
               </a:rPr>
               <a:t>window</a:t>
             </a:r>
-            <a:endParaRPr lang="ru-RU" sz="4000" b="1" dirty="0">
-              <a:solidFill>
-                <a:srgbClr val="00B050"/>
-              </a:solidFill>
-            </a:endParaRPr>
+            <a:r>
+              <a:rPr lang="ru-RU" sz="4400" b="1" dirty="0">
+                <a:solidFill>
+                  <a:srgbClr val="00B050"/>
+                </a:solidFill>
+              </a:rPr>
+              <a:t> </a:t>
+            </a:r>
+            <a:r>
+              <a:rPr lang="ru-RU" sz="4400" b="1" dirty="0"/>
+              <a:t>(</a:t>
+            </a:r>
+            <a:r>
+              <a:rPr lang="en-US" sz="4400" b="1" dirty="0" err="1">
+                <a:solidFill>
+                  <a:schemeClr val="accent6">
+                    <a:lumMod val="75000"/>
+                  </a:schemeClr>
+                </a:solidFill>
+              </a:rPr>
+              <a:t>globalThis</a:t>
+            </a:r>
+            <a:r>
+              <a:rPr lang="ru-RU" sz="4400" b="1" dirty="0"/>
+              <a:t>)</a:t>
+            </a:r>
           </a:p>
         </p:txBody>
       </p:sp>
@@ -8997,7 +9059,15 @@
             </a:r>
             <a:r>
               <a:rPr lang="en-US" sz="3200" b="1" dirty="0"/>
-              <a:t>window</a:t>
+              <a:t>window (</a:t>
+            </a:r>
+            <a:r>
+              <a:rPr lang="en-US" sz="3200" b="1" dirty="0" err="1"/>
+              <a:t>globalThis</a:t>
+            </a:r>
+            <a:r>
+              <a:rPr lang="en-US" sz="3200" b="1" dirty="0"/>
+              <a:t>)</a:t>
             </a:r>
             <a:r>
               <a:rPr lang="en-US" sz="3200" dirty="0"/>
@@ -9411,250 +9481,81 @@
       </p:grpSpPr>
       <p:sp>
         <p:nvSpPr>
-          <p:cNvPr id="20" name="Номер слайда 36"/>
-          <p:cNvSpPr txBox="1">
-            <a:spLocks/>
-          </p:cNvSpPr>
+          <p:cNvPr id="5" name="Прямоугольник 4"/>
+          <p:cNvSpPr/>
           <p:nvPr/>
         </p:nvSpPr>
         <p:spPr>
           <a:xfrm>
-            <a:off x="11208568" y="6174801"/>
-            <a:ext cx="648072" cy="432048"/>
-          </a:xfrm>
-          <a:prstGeom prst="roundRect">
+            <a:off x="0" y="0"/>
+            <a:ext cx="12192000" cy="6858000"/>
+          </a:xfrm>
+          <a:prstGeom prst="rect">
             <a:avLst/>
           </a:prstGeom>
-          <a:ln w="25400" cap="flat" cmpd="sng" algn="ctr">
-            <a:solidFill>
-              <a:schemeClr val="tx2">
-                <a:lumMod val="60000"/>
-                <a:lumOff val="40000"/>
-              </a:schemeClr>
-            </a:solidFill>
-            <a:prstDash val="solid"/>
-          </a:ln>
+          <a:solidFill>
+            <a:srgbClr val="002060"/>
+          </a:solidFill>
         </p:spPr>
         <p:style>
           <a:lnRef idx="2">
-            <a:schemeClr val="accent1"/>
+            <a:schemeClr val="accent1">
+              <a:shade val="50000"/>
+            </a:schemeClr>
           </a:lnRef>
           <a:fillRef idx="1">
-            <a:schemeClr val="lt1"/>
+            <a:schemeClr val="accent1"/>
           </a:fillRef>
           <a:effectRef idx="0">
             <a:schemeClr val="accent1"/>
           </a:effectRef>
           <a:fontRef idx="minor">
-            <a:schemeClr val="dk1"/>
+            <a:schemeClr val="lt1"/>
           </a:fontRef>
         </p:style>
         <p:txBody>
-          <a:bodyPr vert="horz" lIns="91440" tIns="45720" rIns="91440" bIns="45720" rtlCol="0" anchor="ctr"/>
-          <a:lstStyle/>
-          <a:p>
-            <a:pPr algn="ctr">
-              <a:defRPr/>
-            </a:pPr>
-            <a:fld id="{6389AA22-90B4-448C-8B6B-C699140D38B9}" type="slidenum">
-              <a:rPr lang="uk-UA" sz="2400" b="1">
-                <a:solidFill>
-                  <a:schemeClr val="bg1">
-                    <a:lumMod val="50000"/>
-                  </a:schemeClr>
-                </a:solidFill>
-              </a:rPr>
-              <a:pPr algn="ctr">
-                <a:defRPr/>
-              </a:pPr>
-              <a:t>25</a:t>
-            </a:fld>
-            <a:endParaRPr lang="uk-UA" sz="2400" b="1" dirty="0">
-              <a:solidFill>
-                <a:schemeClr val="bg1">
-                  <a:lumMod val="50000"/>
-                </a:schemeClr>
-              </a:solidFill>
-            </a:endParaRPr>
-          </a:p>
-        </p:txBody>
-      </p:sp>
-      <p:sp>
-        <p:nvSpPr>
-          <p:cNvPr id="26" name="TextBox 25"/>
-          <p:cNvSpPr txBox="1"/>
-          <p:nvPr/>
-        </p:nvSpPr>
-        <p:spPr>
-          <a:xfrm>
-            <a:off x="0" y="1700808"/>
-            <a:ext cx="12192000" cy="2185214"/>
-          </a:xfrm>
-          <a:prstGeom prst="rect">
-            <a:avLst/>
-          </a:prstGeom>
-          <a:noFill/>
-        </p:spPr>
-        <p:txBody>
-          <a:bodyPr wrap="square" rtlCol="0">
-            <a:spAutoFit/>
-          </a:bodyPr>
+          <a:bodyPr rtlCol="0" anchor="ctr"/>
           <a:lstStyle/>
           <a:p>
             <a:pPr algn="ctr"/>
             <a:r>
-              <a:rPr lang="en-US" sz="4800" b="1" dirty="0" err="1">
-                <a:solidFill>
-                  <a:srgbClr val="0070C0"/>
-                </a:solidFill>
-              </a:rPr>
-              <a:t>window.</a:t>
-            </a:r>
-            <a:r>
-              <a:rPr lang="en-US" sz="4800" b="1" dirty="0" err="1">
+              <a:rPr lang="ru-RU" sz="7200" b="1" dirty="0"/>
+              <a:t>7</a:t>
+            </a:r>
+            <a:r>
+              <a:rPr lang="en-US" sz="7200" b="1" dirty="0"/>
+              <a:t>. </a:t>
+            </a:r>
+            <a:r>
+              <a:rPr lang="ru-RU" sz="7200" b="1" dirty="0"/>
+              <a:t>Множество </a:t>
+            </a:r>
+            <a:r>
+              <a:rPr lang="en-US" sz="7200" b="1" dirty="0"/>
+              <a:t>(</a:t>
+            </a:r>
+            <a:r>
+              <a:rPr lang="en-US" sz="7200" b="1" dirty="0">
                 <a:solidFill>
                   <a:schemeClr val="accent6">
                     <a:lumMod val="75000"/>
                   </a:schemeClr>
                 </a:solidFill>
               </a:rPr>
-              <a:t>document</a:t>
-            </a:r>
-            <a:r>
-              <a:rPr lang="ru-RU" sz="4800" dirty="0"/>
-              <a:t> </a:t>
-            </a:r>
-          </a:p>
-          <a:p>
-            <a:pPr algn="ctr"/>
-            <a:r>
-              <a:rPr lang="ru-RU" sz="4000" i="1" dirty="0"/>
-              <a:t>(корень </a:t>
-            </a:r>
-            <a:r>
-              <a:rPr lang="en-US" sz="4000" i="1" dirty="0"/>
-              <a:t>DOM-</a:t>
-            </a:r>
-            <a:r>
-              <a:rPr lang="ru-RU" sz="4000" i="1" dirty="0"/>
-              <a:t>дерева)</a:t>
-            </a:r>
-          </a:p>
-          <a:p>
-            <a:pPr algn="ctr"/>
-            <a:r>
-              <a:rPr lang="ru-RU" sz="4800" dirty="0"/>
-              <a:t>хранилище </a:t>
-            </a:r>
-            <a:r>
-              <a:rPr lang="en-US" sz="4800" dirty="0"/>
-              <a:t>HTML-</a:t>
-            </a:r>
-            <a:r>
-              <a:rPr lang="ru-RU" sz="4800" dirty="0"/>
-              <a:t>документа</a:t>
-            </a:r>
-            <a:endParaRPr lang="ru-RU" sz="4800" b="1" dirty="0"/>
-          </a:p>
-        </p:txBody>
-      </p:sp>
-      <p:sp>
-        <p:nvSpPr>
-          <p:cNvPr id="9" name="TextBox 8"/>
-          <p:cNvSpPr txBox="1"/>
-          <p:nvPr/>
-        </p:nvSpPr>
-        <p:spPr>
-          <a:xfrm>
-            <a:off x="3503713" y="3140968"/>
-            <a:ext cx="184731" cy="369332"/>
-          </a:xfrm>
-          <a:prstGeom prst="rect">
-            <a:avLst/>
-          </a:prstGeom>
-          <a:noFill/>
-        </p:spPr>
-        <p:txBody>
-          <a:bodyPr wrap="none" rtlCol="0">
-            <a:spAutoFit/>
-          </a:bodyPr>
-          <a:lstStyle/>
-          <a:p>
-            <a:endParaRPr lang="ru-RU" dirty="0"/>
-          </a:p>
-        </p:txBody>
-      </p:sp>
-      <p:sp>
-        <p:nvSpPr>
-          <p:cNvPr id="10" name="TextBox 9"/>
-          <p:cNvSpPr txBox="1"/>
-          <p:nvPr/>
-        </p:nvSpPr>
-        <p:spPr>
-          <a:xfrm>
-            <a:off x="0" y="3886022"/>
-            <a:ext cx="12192000" cy="369332"/>
-          </a:xfrm>
-          <a:prstGeom prst="rect">
-            <a:avLst/>
-          </a:prstGeom>
-          <a:noFill/>
-        </p:spPr>
-        <p:txBody>
-          <a:bodyPr wrap="square" rtlCol="0">
-            <a:spAutoFit/>
-          </a:bodyPr>
-          <a:lstStyle/>
-          <a:p>
-            <a:pPr algn="ctr"/>
-            <a:r>
-              <a:rPr lang="ru-RU" b="1" dirty="0"/>
-              <a:t>Подробнее: </a:t>
-            </a:r>
-            <a:r>
-              <a:rPr lang="en-US" b="1" dirty="0">
-                <a:hlinkClick r:id="rId2"/>
-              </a:rPr>
-              <a:t>https://learn.javascript.ru/dom-nodes</a:t>
-            </a:r>
-            <a:endParaRPr lang="ru-RU" b="1" dirty="0"/>
-          </a:p>
-        </p:txBody>
-      </p:sp>
-      <p:sp>
-        <p:nvSpPr>
-          <p:cNvPr id="2" name="TextBox 1"/>
-          <p:cNvSpPr txBox="1"/>
-          <p:nvPr/>
-        </p:nvSpPr>
-        <p:spPr>
-          <a:xfrm>
-            <a:off x="0" y="5013176"/>
-            <a:ext cx="12192000" cy="584775"/>
-          </a:xfrm>
-          <a:prstGeom prst="rect">
-            <a:avLst/>
-          </a:prstGeom>
-          <a:noFill/>
-        </p:spPr>
-        <p:txBody>
-          <a:bodyPr wrap="square" rtlCol="0">
-            <a:spAutoFit/>
-          </a:bodyPr>
-          <a:lstStyle/>
-          <a:p>
-            <a:pPr algn="ctr"/>
-            <a:r>
-              <a:rPr lang="ru-RU" sz="3200" b="1" dirty="0"/>
-              <a:t>Но это уже другая история….</a:t>
-            </a:r>
+              <a:t>Set</a:t>
+            </a:r>
+            <a:r>
+              <a:rPr lang="en-US" sz="7200" b="1" dirty="0"/>
+              <a:t>)</a:t>
+            </a:r>
+            <a:endParaRPr lang="uk-UA" sz="7200" b="1" dirty="0"/>
           </a:p>
         </p:txBody>
       </p:sp>
     </p:spTree>
     <p:extLst>
       <p:ext uri="{BB962C8B-B14F-4D97-AF65-F5344CB8AC3E}">
-        <p14:creationId xmlns:p14="http://schemas.microsoft.com/office/powerpoint/2010/main" val="2592369890"/>
+        <p14:creationId xmlns:p14="http://schemas.microsoft.com/office/powerpoint/2010/main" val="1892988636"/>
       </p:ext>
     </p:extLst>
   </p:cSld>
@@ -9683,81 +9584,273 @@
       </p:grpSpPr>
       <p:sp>
         <p:nvSpPr>
-          <p:cNvPr id="5" name="Прямоугольник 4"/>
-          <p:cNvSpPr/>
+          <p:cNvPr id="9" name="Номер слайда 36"/>
+          <p:cNvSpPr txBox="1">
+            <a:spLocks/>
+          </p:cNvSpPr>
           <p:nvPr/>
         </p:nvSpPr>
         <p:spPr>
           <a:xfrm>
-            <a:off x="0" y="0"/>
-            <a:ext cx="12192000" cy="6858000"/>
-          </a:xfrm>
-          <a:prstGeom prst="rect">
+            <a:off x="11208568" y="6165304"/>
+            <a:ext cx="648072" cy="432048"/>
+          </a:xfrm>
+          <a:prstGeom prst="roundRect">
             <a:avLst/>
           </a:prstGeom>
-          <a:solidFill>
-            <a:srgbClr val="002060"/>
-          </a:solidFill>
+          <a:ln w="25400" cap="flat" cmpd="sng" algn="ctr">
+            <a:solidFill>
+              <a:schemeClr val="tx2">
+                <a:lumMod val="60000"/>
+                <a:lumOff val="40000"/>
+              </a:schemeClr>
+            </a:solidFill>
+            <a:prstDash val="solid"/>
+          </a:ln>
         </p:spPr>
         <p:style>
           <a:lnRef idx="2">
-            <a:schemeClr val="accent1">
-              <a:shade val="50000"/>
-            </a:schemeClr>
+            <a:schemeClr val="accent1"/>
           </a:lnRef>
           <a:fillRef idx="1">
-            <a:schemeClr val="accent1"/>
+            <a:schemeClr val="lt1"/>
           </a:fillRef>
           <a:effectRef idx="0">
             <a:schemeClr val="accent1"/>
           </a:effectRef>
           <a:fontRef idx="minor">
-            <a:schemeClr val="lt1"/>
+            <a:schemeClr val="dk1"/>
           </a:fontRef>
         </p:style>
         <p:txBody>
-          <a:bodyPr rtlCol="0" anchor="ctr"/>
-          <a:lstStyle/>
-          <a:p>
-            <a:pPr algn="ctr"/>
-            <a:r>
-              <a:rPr lang="ru-RU" sz="7200" b="1" dirty="0"/>
-              <a:t>7</a:t>
-            </a:r>
-            <a:r>
-              <a:rPr lang="en-US" sz="7200" b="1" dirty="0"/>
-              <a:t>. </a:t>
-            </a:r>
-            <a:r>
-              <a:rPr lang="ru-RU" sz="7200" b="1" dirty="0"/>
-              <a:t>Множество </a:t>
-            </a:r>
-            <a:r>
-              <a:rPr lang="en-US" sz="7200" b="1" dirty="0"/>
-              <a:t>(</a:t>
-            </a:r>
-            <a:r>
-              <a:rPr lang="en-US" sz="7200" b="1" dirty="0">
+          <a:bodyPr vert="horz" lIns="91440" tIns="45720" rIns="91440" bIns="45720" rtlCol="0" anchor="ctr"/>
+          <a:lstStyle/>
+          <a:p>
+            <a:pPr algn="ctr">
+              <a:defRPr/>
+            </a:pPr>
+            <a:fld id="{6389AA22-90B4-448C-8B6B-C699140D38B9}" type="slidenum">
+              <a:rPr lang="uk-UA" sz="2400" b="1">
                 <a:solidFill>
-                  <a:schemeClr val="accent6">
-                    <a:lumMod val="75000"/>
+                  <a:schemeClr val="bg1">
+                    <a:lumMod val="50000"/>
                   </a:schemeClr>
                 </a:solidFill>
               </a:rPr>
+              <a:pPr algn="ctr">
+                <a:defRPr/>
+              </a:pPr>
+              <a:t>26</a:t>
+            </a:fld>
+            <a:endParaRPr lang="uk-UA" sz="2400" b="1" dirty="0">
+              <a:solidFill>
+                <a:schemeClr val="bg1">
+                  <a:lumMod val="50000"/>
+                </a:schemeClr>
+              </a:solidFill>
+            </a:endParaRPr>
+          </a:p>
+        </p:txBody>
+      </p:sp>
+      <p:sp>
+        <p:nvSpPr>
+          <p:cNvPr id="4" name="Прямоугольник 3"/>
+          <p:cNvSpPr/>
+          <p:nvPr/>
+        </p:nvSpPr>
+        <p:spPr>
+          <a:xfrm>
+            <a:off x="0" y="226074"/>
+            <a:ext cx="12192000" cy="646331"/>
+          </a:xfrm>
+          <a:prstGeom prst="rect">
+            <a:avLst/>
+          </a:prstGeom>
+        </p:spPr>
+        <p:txBody>
+          <a:bodyPr wrap="square">
+            <a:spAutoFit/>
+          </a:bodyPr>
+          <a:lstStyle/>
+          <a:p>
+            <a:pPr algn="ctr"/>
+            <a:r>
+              <a:rPr lang="ru-RU" sz="3600" b="1" dirty="0"/>
+              <a:t>Множество / </a:t>
+            </a:r>
+            <a:r>
+              <a:rPr lang="en-US" sz="3600" b="1" dirty="0"/>
               <a:t>Set</a:t>
             </a:r>
-            <a:r>
-              <a:rPr lang="en-US" sz="7200" b="1" dirty="0"/>
+            <a:endParaRPr lang="ru-RU" sz="3600" dirty="0"/>
+          </a:p>
+        </p:txBody>
+      </p:sp>
+      <p:sp>
+        <p:nvSpPr>
+          <p:cNvPr id="11" name="TextBox 10"/>
+          <p:cNvSpPr txBox="1"/>
+          <p:nvPr/>
+        </p:nvSpPr>
+        <p:spPr>
+          <a:xfrm>
+            <a:off x="0" y="6165304"/>
+            <a:ext cx="12192000" cy="461665"/>
+          </a:xfrm>
+          <a:prstGeom prst="rect">
+            <a:avLst/>
+          </a:prstGeom>
+          <a:noFill/>
+        </p:spPr>
+        <p:txBody>
+          <a:bodyPr wrap="square" rtlCol="0">
+            <a:spAutoFit/>
+          </a:bodyPr>
+          <a:lstStyle/>
+          <a:p>
+            <a:pPr algn="ctr"/>
+            <a:r>
+              <a:rPr lang="ru-RU" sz="2400" b="1" dirty="0"/>
+              <a:t>Подробнее:</a:t>
+            </a:r>
+            <a:r>
+              <a:rPr lang="en-US" sz="2400" b="1" dirty="0"/>
+              <a:t> </a:t>
+            </a:r>
+            <a:r>
+              <a:rPr lang="en-US" sz="2400" b="1" dirty="0">
+                <a:hlinkClick r:id="rId2"/>
+              </a:rPr>
+              <a:t>https://learn.javascript.ru/set-map</a:t>
+            </a:r>
+            <a:endParaRPr lang="ru-RU" sz="2400" b="1" dirty="0"/>
+          </a:p>
+        </p:txBody>
+      </p:sp>
+      <p:pic>
+        <p:nvPicPr>
+          <p:cNvPr id="3" name="Рисунок 2"/>
+          <p:cNvPicPr>
+            <a:picLocks noChangeAspect="1"/>
+          </p:cNvPicPr>
+          <p:nvPr/>
+        </p:nvPicPr>
+        <p:blipFill>
+          <a:blip r:embed="rId3"/>
+          <a:stretch>
+            <a:fillRect/>
+          </a:stretch>
+        </p:blipFill>
+        <p:spPr>
+          <a:xfrm>
+            <a:off x="263352" y="1124744"/>
+            <a:ext cx="7848779" cy="4535882"/>
+          </a:xfrm>
+          <a:prstGeom prst="rect">
+            <a:avLst/>
+          </a:prstGeom>
+          <a:ln>
+            <a:noFill/>
+          </a:ln>
+          <a:effectLst>
+            <a:outerShdw blurRad="292100" dist="139700" dir="2700000" algn="tl" rotWithShape="0">
+              <a:srgbClr val="333333">
+                <a:alpha val="65000"/>
+              </a:srgbClr>
+            </a:outerShdw>
+          </a:effectLst>
+        </p:spPr>
+      </p:pic>
+      <p:sp>
+        <p:nvSpPr>
+          <p:cNvPr id="5" name="TextBox 4"/>
+          <p:cNvSpPr txBox="1"/>
+          <p:nvPr/>
+        </p:nvSpPr>
+        <p:spPr>
+          <a:xfrm>
+            <a:off x="8400256" y="1124744"/>
+            <a:ext cx="3312368" cy="4493538"/>
+          </a:xfrm>
+          <a:prstGeom prst="rect">
+            <a:avLst/>
+          </a:prstGeom>
+          <a:noFill/>
+        </p:spPr>
+        <p:txBody>
+          <a:bodyPr wrap="square" rtlCol="0">
+            <a:spAutoFit/>
+          </a:bodyPr>
+          <a:lstStyle/>
+          <a:p>
+            <a:r>
+              <a:rPr lang="en-US" sz="2200" b="1" dirty="0"/>
+              <a:t>Set </a:t>
+            </a:r>
+            <a:r>
+              <a:rPr lang="en-US" sz="2200" dirty="0"/>
+              <a:t>– </a:t>
+            </a:r>
+            <a:r>
+              <a:rPr lang="ru-RU" sz="2200" dirty="0"/>
+              <a:t>коллекция без ключей</a:t>
+            </a:r>
+            <a:r>
+              <a:rPr lang="en-US" sz="2200" dirty="0"/>
+              <a:t> (</a:t>
+            </a:r>
+            <a:r>
+              <a:rPr lang="ru-RU" sz="2200" dirty="0"/>
+              <a:t>создаётся при помощи ключевого слова </a:t>
+            </a:r>
+            <a:r>
+              <a:rPr lang="en-US" sz="2200" b="1" dirty="0"/>
+              <a:t>new</a:t>
+            </a:r>
+            <a:r>
+              <a:rPr lang="en-US" sz="2200" dirty="0"/>
               <a:t>)</a:t>
             </a:r>
-            <a:endParaRPr lang="uk-UA" sz="7200" b="1" dirty="0"/>
+            <a:r>
+              <a:rPr lang="ru-RU" sz="2200" dirty="0"/>
+              <a:t>, позволяет хранить любые типы данных. Элемент множества встречаться в нём не более чем один раз. Есть возможность узнать есть ли элемент во множестве (метод </a:t>
+            </a:r>
+            <a:r>
+              <a:rPr lang="en-US" sz="2200" b="1" dirty="0"/>
+              <a:t>.has(…)</a:t>
+            </a:r>
+            <a:r>
+              <a:rPr lang="ru-RU" sz="2200" dirty="0"/>
+              <a:t>)</a:t>
+            </a:r>
+            <a:r>
+              <a:rPr lang="en-US" sz="2200" dirty="0"/>
+              <a:t>, </a:t>
+            </a:r>
+            <a:r>
+              <a:rPr lang="ru-RU" sz="2200" dirty="0"/>
+              <a:t>а также узнать размер множества (свойство </a:t>
+            </a:r>
+            <a:r>
+              <a:rPr lang="en-US" sz="2200" b="1" dirty="0"/>
+              <a:t>.size</a:t>
+            </a:r>
+            <a:r>
+              <a:rPr lang="ru-RU" sz="2200" dirty="0"/>
+              <a:t>)</a:t>
+            </a:r>
+            <a:r>
+              <a:rPr lang="en-US" sz="2200" dirty="0"/>
+              <a:t>.</a:t>
+            </a:r>
+            <a:endParaRPr lang="ru-RU" sz="2200" dirty="0"/>
           </a:p>
         </p:txBody>
       </p:sp>
     </p:spTree>
     <p:extLst>
       <p:ext uri="{BB962C8B-B14F-4D97-AF65-F5344CB8AC3E}">
-        <p14:creationId xmlns:p14="http://schemas.microsoft.com/office/powerpoint/2010/main" val="1892988636"/>
+        <p14:creationId xmlns:p14="http://schemas.microsoft.com/office/powerpoint/2010/main" val="3863989030"/>
       </p:ext>
     </p:extLst>
   </p:cSld>
@@ -9856,40 +9949,6 @@
       </p:sp>
       <p:sp>
         <p:nvSpPr>
-          <p:cNvPr id="4" name="Прямоугольник 3"/>
-          <p:cNvSpPr/>
-          <p:nvPr/>
-        </p:nvSpPr>
-        <p:spPr>
-          <a:xfrm>
-            <a:off x="0" y="226074"/>
-            <a:ext cx="12192000" cy="646331"/>
-          </a:xfrm>
-          <a:prstGeom prst="rect">
-            <a:avLst/>
-          </a:prstGeom>
-        </p:spPr>
-        <p:txBody>
-          <a:bodyPr wrap="square">
-            <a:spAutoFit/>
-          </a:bodyPr>
-          <a:lstStyle/>
-          <a:p>
-            <a:pPr algn="ctr"/>
-            <a:r>
-              <a:rPr lang="ru-RU" sz="3600" b="1" dirty="0"/>
-              <a:t>Множество / </a:t>
-            </a:r>
-            <a:r>
-              <a:rPr lang="en-US" sz="3600" b="1" dirty="0"/>
-              <a:t>Set</a:t>
-            </a:r>
-            <a:endParaRPr lang="ru-RU" sz="3600" dirty="0"/>
-          </a:p>
-        </p:txBody>
-      </p:sp>
-      <p:sp>
-        <p:nvSpPr>
           <p:cNvPr id="11" name="TextBox 10"/>
           <p:cNvSpPr txBox="1"/>
           <p:nvPr/>
@@ -9931,7 +9990,7 @@
       </p:sp>
       <p:pic>
         <p:nvPicPr>
-          <p:cNvPr id="3" name="Рисунок 2"/>
+          <p:cNvPr id="2" name="Рисунок 1"/>
           <p:cNvPicPr>
             <a:picLocks noChangeAspect="1"/>
           </p:cNvPicPr>
@@ -9945,8 +10004,8 @@
         </p:blipFill>
         <p:spPr>
           <a:xfrm>
-            <a:off x="263352" y="1124744"/>
-            <a:ext cx="7848779" cy="4535882"/>
+            <a:off x="-397" y="1124744"/>
+            <a:ext cx="12192000" cy="4626918"/>
           </a:xfrm>
           <a:prstGeom prst="rect">
             <a:avLst/>
@@ -9965,94 +10024,42 @@
       </p:pic>
       <p:sp>
         <p:nvSpPr>
-          <p:cNvPr id="5" name="TextBox 4"/>
-          <p:cNvSpPr txBox="1"/>
+          <p:cNvPr id="7" name="Прямоугольник 6"/>
+          <p:cNvSpPr/>
           <p:nvPr/>
         </p:nvSpPr>
         <p:spPr>
           <a:xfrm>
-            <a:off x="8400256" y="1124744"/>
-            <a:ext cx="3312368" cy="4493538"/>
+            <a:off x="0" y="226074"/>
+            <a:ext cx="12192000" cy="646331"/>
           </a:xfrm>
           <a:prstGeom prst="rect">
             <a:avLst/>
           </a:prstGeom>
-          <a:noFill/>
-        </p:spPr>
-        <p:txBody>
-          <a:bodyPr wrap="square" rtlCol="0">
+        </p:spPr>
+        <p:txBody>
+          <a:bodyPr wrap="square">
             <a:spAutoFit/>
           </a:bodyPr>
           <a:lstStyle/>
           <a:p>
-            <a:r>
-              <a:rPr lang="en-US" sz="2200" b="1" dirty="0"/>
-              <a:t>Set </a:t>
-            </a:r>
-            <a:r>
-              <a:rPr lang="en-US" sz="2200" dirty="0"/>
-              <a:t>– </a:t>
-            </a:r>
-            <a:r>
-              <a:rPr lang="ru-RU" sz="2200" dirty="0"/>
-              <a:t>коллекция без ключей</a:t>
-            </a:r>
-            <a:r>
-              <a:rPr lang="en-US" sz="2200" dirty="0"/>
-              <a:t> (</a:t>
-            </a:r>
-            <a:r>
-              <a:rPr lang="ru-RU" sz="2200" dirty="0"/>
-              <a:t>создаётся при помощи ключевого слова </a:t>
-            </a:r>
-            <a:r>
-              <a:rPr lang="en-US" sz="2200" b="1" dirty="0"/>
-              <a:t>new</a:t>
-            </a:r>
-            <a:r>
-              <a:rPr lang="en-US" sz="2200" dirty="0"/>
-              <a:t>)</a:t>
-            </a:r>
-            <a:r>
-              <a:rPr lang="ru-RU" sz="2200" dirty="0"/>
-              <a:t>, позволяет хранить любые типы данных. Элемент множества встречаться в нём не более чем один раз. Есть возможность узнать есть ли элемент во множестве (метод </a:t>
-            </a:r>
-            <a:r>
-              <a:rPr lang="en-US" sz="2200" b="1" dirty="0"/>
-              <a:t>.has(…)</a:t>
-            </a:r>
-            <a:r>
-              <a:rPr lang="ru-RU" sz="2200" dirty="0"/>
-              <a:t>)</a:t>
-            </a:r>
-            <a:r>
-              <a:rPr lang="en-US" sz="2200" dirty="0"/>
-              <a:t>, </a:t>
-            </a:r>
-            <a:r>
-              <a:rPr lang="ru-RU" sz="2200" dirty="0"/>
-              <a:t>а также узнать размер множества (свойство </a:t>
-            </a:r>
-            <a:r>
-              <a:rPr lang="en-US" sz="2200" b="1" dirty="0"/>
-              <a:t>.size</a:t>
-            </a:r>
-            <a:r>
-              <a:rPr lang="ru-RU" sz="2200" dirty="0"/>
-              <a:t>)</a:t>
-            </a:r>
-            <a:r>
-              <a:rPr lang="en-US" sz="2200" dirty="0"/>
-              <a:t>.</a:t>
-            </a:r>
-            <a:endParaRPr lang="ru-RU" sz="2200" dirty="0"/>
+            <a:pPr algn="ctr"/>
+            <a:r>
+              <a:rPr lang="ru-RU" sz="3600" b="1" dirty="0"/>
+              <a:t>Избавление от дубликатов при помощи </a:t>
+            </a:r>
+            <a:r>
+              <a:rPr lang="en-US" sz="3600" b="1" dirty="0"/>
+              <a:t>Set</a:t>
+            </a:r>
+            <a:endParaRPr lang="ru-RU" sz="3600" dirty="0"/>
           </a:p>
         </p:txBody>
       </p:sp>
     </p:spTree>
     <p:extLst>
       <p:ext uri="{BB962C8B-B14F-4D97-AF65-F5344CB8AC3E}">
-        <p14:creationId xmlns:p14="http://schemas.microsoft.com/office/powerpoint/2010/main" val="3863989030"/>
+        <p14:creationId xmlns:p14="http://schemas.microsoft.com/office/powerpoint/2010/main" val="600371874"/>
       </p:ext>
     </p:extLst>
   </p:cSld>
@@ -10081,187 +10088,84 @@
       </p:grpSpPr>
       <p:sp>
         <p:nvSpPr>
-          <p:cNvPr id="9" name="Номер слайда 36"/>
-          <p:cNvSpPr txBox="1">
-            <a:spLocks/>
-          </p:cNvSpPr>
+          <p:cNvPr id="5" name="Прямоугольник 4"/>
+          <p:cNvSpPr/>
           <p:nvPr/>
         </p:nvSpPr>
         <p:spPr>
           <a:xfrm>
-            <a:off x="11208568" y="6165304"/>
-            <a:ext cx="648072" cy="432048"/>
-          </a:xfrm>
-          <a:prstGeom prst="roundRect">
+            <a:off x="0" y="0"/>
+            <a:ext cx="12192000" cy="6858000"/>
+          </a:xfrm>
+          <a:prstGeom prst="rect">
             <a:avLst/>
           </a:prstGeom>
-          <a:ln w="25400" cap="flat" cmpd="sng" algn="ctr">
-            <a:solidFill>
-              <a:schemeClr val="tx2">
-                <a:lumMod val="60000"/>
-                <a:lumOff val="40000"/>
-              </a:schemeClr>
-            </a:solidFill>
-            <a:prstDash val="solid"/>
-          </a:ln>
+          <a:solidFill>
+            <a:srgbClr val="002060"/>
+          </a:solidFill>
         </p:spPr>
         <p:style>
           <a:lnRef idx="2">
-            <a:schemeClr val="accent1"/>
+            <a:schemeClr val="accent1">
+              <a:shade val="50000"/>
+            </a:schemeClr>
           </a:lnRef>
           <a:fillRef idx="1">
-            <a:schemeClr val="lt1"/>
+            <a:schemeClr val="accent1"/>
           </a:fillRef>
           <a:effectRef idx="0">
             <a:schemeClr val="accent1"/>
           </a:effectRef>
           <a:fontRef idx="minor">
-            <a:schemeClr val="dk1"/>
+            <a:schemeClr val="lt1"/>
           </a:fontRef>
         </p:style>
         <p:txBody>
-          <a:bodyPr vert="horz" lIns="91440" tIns="45720" rIns="91440" bIns="45720" rtlCol="0" anchor="ctr"/>
-          <a:lstStyle/>
-          <a:p>
-            <a:pPr algn="ctr">
-              <a:defRPr/>
-            </a:pPr>
-            <a:fld id="{6389AA22-90B4-448C-8B6B-C699140D38B9}" type="slidenum">
-              <a:rPr lang="uk-UA" sz="2400" b="1">
+          <a:bodyPr rtlCol="0" anchor="ctr"/>
+          <a:lstStyle/>
+          <a:p>
+            <a:pPr algn="ctr"/>
+            <a:r>
+              <a:rPr lang="ru-RU" sz="6600" b="1" dirty="0"/>
+              <a:t>8. Принципы</a:t>
+            </a:r>
+          </a:p>
+          <a:p>
+            <a:pPr algn="ctr"/>
+            <a:r>
+              <a:rPr lang="ru-RU" sz="6600" b="1" dirty="0"/>
+              <a:t>модульного тестирование </a:t>
+            </a:r>
+            <a:br>
+              <a:rPr lang="ru-RU" sz="6600" b="1" dirty="0"/>
+            </a:br>
+            <a:r>
+              <a:rPr lang="ru-RU" sz="6600" b="1" dirty="0"/>
+              <a:t>(</a:t>
+            </a:r>
+            <a:r>
+              <a:rPr lang="en-US" sz="6600" b="1" dirty="0">
                 <a:solidFill>
-                  <a:schemeClr val="bg1">
-                    <a:lumMod val="50000"/>
-                  </a:schemeClr>
+                  <a:srgbClr val="92D050"/>
                 </a:solidFill>
               </a:rPr>
-              <a:pPr algn="ctr">
-                <a:defRPr/>
-              </a:pPr>
-              <a:t>28</a:t>
-            </a:fld>
-            <a:endParaRPr lang="uk-UA" sz="2400" b="1" dirty="0">
-              <a:solidFill>
-                <a:schemeClr val="bg1">
-                  <a:lumMod val="50000"/>
-                </a:schemeClr>
-              </a:solidFill>
-            </a:endParaRPr>
-          </a:p>
-        </p:txBody>
-      </p:sp>
-      <p:sp>
-        <p:nvSpPr>
-          <p:cNvPr id="11" name="TextBox 10"/>
-          <p:cNvSpPr txBox="1"/>
-          <p:nvPr/>
-        </p:nvSpPr>
-        <p:spPr>
-          <a:xfrm>
-            <a:off x="0" y="6165304"/>
-            <a:ext cx="12192000" cy="461665"/>
-          </a:xfrm>
-          <a:prstGeom prst="rect">
-            <a:avLst/>
-          </a:prstGeom>
-          <a:noFill/>
-        </p:spPr>
-        <p:txBody>
-          <a:bodyPr wrap="square" rtlCol="0">
-            <a:spAutoFit/>
-          </a:bodyPr>
-          <a:lstStyle/>
-          <a:p>
-            <a:pPr algn="ctr"/>
-            <a:r>
-              <a:rPr lang="ru-RU" sz="2400" b="1" dirty="0"/>
-              <a:t>Подробнее:</a:t>
-            </a:r>
-            <a:r>
-              <a:rPr lang="en-US" sz="2400" b="1" dirty="0"/>
+              <a:t>Unit Testing</a:t>
+            </a:r>
+            <a:r>
+              <a:rPr lang="ru-RU" sz="6600" b="1" dirty="0"/>
+              <a:t>)</a:t>
+            </a:r>
+            <a:r>
+              <a:rPr lang="en-US" sz="6600" b="1" dirty="0"/>
               <a:t> </a:t>
             </a:r>
-            <a:r>
-              <a:rPr lang="en-US" sz="2400" b="1" dirty="0">
-                <a:hlinkClick r:id="rId2"/>
-              </a:rPr>
-              <a:t>https://learn.javascript.ru/set-map</a:t>
-            </a:r>
-            <a:endParaRPr lang="ru-RU" sz="2400" b="1" dirty="0"/>
-          </a:p>
-        </p:txBody>
-      </p:sp>
-      <p:pic>
-        <p:nvPicPr>
-          <p:cNvPr id="2" name="Рисунок 1"/>
-          <p:cNvPicPr>
-            <a:picLocks noChangeAspect="1"/>
-          </p:cNvPicPr>
-          <p:nvPr/>
-        </p:nvPicPr>
-        <p:blipFill>
-          <a:blip r:embed="rId3"/>
-          <a:stretch>
-            <a:fillRect/>
-          </a:stretch>
-        </p:blipFill>
-        <p:spPr>
-          <a:xfrm>
-            <a:off x="-397" y="1124744"/>
-            <a:ext cx="12192000" cy="4626918"/>
-          </a:xfrm>
-          <a:prstGeom prst="rect">
-            <a:avLst/>
-          </a:prstGeom>
-          <a:ln>
-            <a:noFill/>
-          </a:ln>
-          <a:effectLst>
-            <a:outerShdw blurRad="292100" dist="139700" dir="2700000" algn="tl" rotWithShape="0">
-              <a:srgbClr val="333333">
-                <a:alpha val="65000"/>
-              </a:srgbClr>
-            </a:outerShdw>
-          </a:effectLst>
-        </p:spPr>
-      </p:pic>
-      <p:sp>
-        <p:nvSpPr>
-          <p:cNvPr id="7" name="Прямоугольник 6"/>
-          <p:cNvSpPr/>
-          <p:nvPr/>
-        </p:nvSpPr>
-        <p:spPr>
-          <a:xfrm>
-            <a:off x="0" y="226074"/>
-            <a:ext cx="12192000" cy="646331"/>
-          </a:xfrm>
-          <a:prstGeom prst="rect">
-            <a:avLst/>
-          </a:prstGeom>
-        </p:spPr>
-        <p:txBody>
-          <a:bodyPr wrap="square">
-            <a:spAutoFit/>
-          </a:bodyPr>
-          <a:lstStyle/>
-          <a:p>
-            <a:pPr algn="ctr"/>
-            <a:r>
-              <a:rPr lang="ru-RU" sz="3600" b="1" dirty="0"/>
-              <a:t>Избавление от дубликатов при помощи </a:t>
-            </a:r>
-            <a:r>
-              <a:rPr lang="en-US" sz="3600" b="1" dirty="0"/>
-              <a:t>Set</a:t>
-            </a:r>
-            <a:endParaRPr lang="ru-RU" sz="3600" dirty="0"/>
           </a:p>
         </p:txBody>
       </p:sp>
     </p:spTree>
     <p:extLst>
       <p:ext uri="{BB962C8B-B14F-4D97-AF65-F5344CB8AC3E}">
-        <p14:creationId xmlns:p14="http://schemas.microsoft.com/office/powerpoint/2010/main" val="600371874"/>
+        <p14:creationId xmlns:p14="http://schemas.microsoft.com/office/powerpoint/2010/main" val="899785685"/>
       </p:ext>
     </p:extLst>
   </p:cSld>
@@ -10290,84 +10194,261 @@
       </p:grpSpPr>
       <p:sp>
         <p:nvSpPr>
-          <p:cNvPr id="5" name="Прямоугольник 4"/>
-          <p:cNvSpPr/>
+          <p:cNvPr id="6" name="Номер слайда 36"/>
+          <p:cNvSpPr txBox="1">
+            <a:spLocks/>
+          </p:cNvSpPr>
           <p:nvPr/>
         </p:nvSpPr>
         <p:spPr>
           <a:xfrm>
-            <a:off x="0" y="0"/>
-            <a:ext cx="12192000" cy="6858000"/>
-          </a:xfrm>
-          <a:prstGeom prst="rect">
+            <a:off x="11280576" y="6165304"/>
+            <a:ext cx="648072" cy="432048"/>
+          </a:xfrm>
+          <a:prstGeom prst="roundRect">
             <a:avLst/>
           </a:prstGeom>
-          <a:solidFill>
-            <a:srgbClr val="002060"/>
-          </a:solidFill>
+          <a:ln w="25400" cap="flat" cmpd="sng" algn="ctr">
+            <a:solidFill>
+              <a:schemeClr val="tx2">
+                <a:lumMod val="60000"/>
+                <a:lumOff val="40000"/>
+              </a:schemeClr>
+            </a:solidFill>
+            <a:prstDash val="solid"/>
+          </a:ln>
         </p:spPr>
         <p:style>
           <a:lnRef idx="2">
-            <a:schemeClr val="accent1">
-              <a:shade val="50000"/>
-            </a:schemeClr>
+            <a:schemeClr val="accent1"/>
           </a:lnRef>
           <a:fillRef idx="1">
-            <a:schemeClr val="accent1"/>
+            <a:schemeClr val="lt1"/>
           </a:fillRef>
           <a:effectRef idx="0">
             <a:schemeClr val="accent1"/>
           </a:effectRef>
           <a:fontRef idx="minor">
-            <a:schemeClr val="lt1"/>
+            <a:schemeClr val="dk1"/>
           </a:fontRef>
         </p:style>
         <p:txBody>
-          <a:bodyPr rtlCol="0" anchor="ctr"/>
-          <a:lstStyle/>
-          <a:p>
-            <a:pPr algn="ctr"/>
-            <a:r>
-              <a:rPr lang="ru-RU" sz="6600" b="1" dirty="0"/>
-              <a:t>8. Принципы</a:t>
-            </a:r>
-          </a:p>
-          <a:p>
-            <a:pPr algn="ctr"/>
-            <a:r>
-              <a:rPr lang="ru-RU" sz="6600" b="1" dirty="0"/>
-              <a:t>модульного тестирование </a:t>
-            </a:r>
-            <a:br>
-              <a:rPr lang="ru-RU" sz="6600" b="1" dirty="0"/>
-            </a:br>
-            <a:r>
-              <a:rPr lang="ru-RU" sz="6600" b="1" dirty="0"/>
-              <a:t>(</a:t>
-            </a:r>
-            <a:r>
-              <a:rPr lang="en-US" sz="6600" b="1" dirty="0">
+          <a:bodyPr vert="horz" lIns="91440" tIns="45720" rIns="91440" bIns="45720" rtlCol="0" anchor="ctr"/>
+          <a:lstStyle/>
+          <a:p>
+            <a:pPr algn="ctr">
+              <a:defRPr/>
+            </a:pPr>
+            <a:fld id="{6389AA22-90B4-448C-8B6B-C699140D38B9}" type="slidenum">
+              <a:rPr lang="uk-UA" sz="2400" b="1">
                 <a:solidFill>
-                  <a:srgbClr val="92D050"/>
+                  <a:schemeClr val="bg1">
+                    <a:lumMod val="50000"/>
+                  </a:schemeClr>
                 </a:solidFill>
               </a:rPr>
-              <a:t>Unit Testing</a:t>
-            </a:r>
-            <a:r>
-              <a:rPr lang="ru-RU" sz="6600" b="1" dirty="0"/>
+              <a:pPr algn="ctr">
+                <a:defRPr/>
+              </a:pPr>
+              <a:t>29</a:t>
+            </a:fld>
+            <a:endParaRPr lang="uk-UA" sz="2400" b="1" dirty="0">
+              <a:solidFill>
+                <a:schemeClr val="bg1">
+                  <a:lumMod val="50000"/>
+                </a:schemeClr>
+              </a:solidFill>
+            </a:endParaRPr>
+          </a:p>
+        </p:txBody>
+      </p:sp>
+      <p:sp>
+        <p:nvSpPr>
+          <p:cNvPr id="10" name="Заголовок 4"/>
+          <p:cNvSpPr txBox="1">
+            <a:spLocks/>
+          </p:cNvSpPr>
+          <p:nvPr/>
+        </p:nvSpPr>
+        <p:spPr>
+          <a:xfrm>
+            <a:off x="0" y="188640"/>
+            <a:ext cx="12192000" cy="720080"/>
+          </a:xfrm>
+          <a:prstGeom prst="rect">
+            <a:avLst/>
+          </a:prstGeom>
+        </p:spPr>
+        <p:txBody>
+          <a:bodyPr vert="horz" lIns="91440" tIns="45720" rIns="91440" bIns="45720" rtlCol="0" anchor="ctr">
+            <a:noAutofit/>
+          </a:bodyPr>
+          <a:lstStyle/>
+          <a:p>
+            <a:pPr algn="ctr">
+              <a:spcBef>
+                <a:spcPct val="0"/>
+              </a:spcBef>
+              <a:defRPr/>
+            </a:pPr>
+            <a:r>
+              <a:rPr lang="en-US" sz="3600" b="1" dirty="0">
+                <a:latin typeface="+mj-lt"/>
+                <a:ea typeface="+mj-ea"/>
+                <a:cs typeface="+mj-cs"/>
+              </a:rPr>
+              <a:t>Unit testing</a:t>
+            </a:r>
+            <a:r>
+              <a:rPr lang="ru-RU" sz="3600" b="1" dirty="0">
+                <a:latin typeface="+mj-lt"/>
+                <a:ea typeface="+mj-ea"/>
+                <a:cs typeface="+mj-cs"/>
+              </a:rPr>
+              <a:t> – модульное тестирование</a:t>
+            </a:r>
+            <a:endParaRPr lang="ru-RU" sz="3600" b="1" dirty="0">
+              <a:solidFill>
+                <a:schemeClr val="bg1">
+                  <a:lumMod val="50000"/>
+                </a:schemeClr>
+              </a:solidFill>
+              <a:latin typeface="+mj-lt"/>
+              <a:ea typeface="+mj-ea"/>
+              <a:cs typeface="+mj-cs"/>
+            </a:endParaRPr>
+          </a:p>
+        </p:txBody>
+      </p:sp>
+      <p:sp>
+        <p:nvSpPr>
+          <p:cNvPr id="11" name="TextBox 10"/>
+          <p:cNvSpPr txBox="1"/>
+          <p:nvPr/>
+        </p:nvSpPr>
+        <p:spPr>
+          <a:xfrm>
+            <a:off x="7558946" y="1644186"/>
+            <a:ext cx="4032448" cy="3785652"/>
+          </a:xfrm>
+          <a:prstGeom prst="rect">
+            <a:avLst/>
+          </a:prstGeom>
+          <a:noFill/>
+        </p:spPr>
+        <p:txBody>
+          <a:bodyPr wrap="square" rtlCol="0">
+            <a:spAutoFit/>
+          </a:bodyPr>
+          <a:lstStyle/>
+          <a:p>
+            <a:r>
+              <a:rPr lang="ru-RU" sz="2000" dirty="0"/>
+              <a:t>Идея </a:t>
+            </a:r>
+            <a:r>
+              <a:rPr lang="ru-RU" sz="2000" b="1" dirty="0"/>
+              <a:t>модульного тестирования </a:t>
+            </a:r>
+            <a:r>
+              <a:rPr lang="ru-RU" sz="2000" dirty="0"/>
+              <a:t>(</a:t>
+            </a:r>
+            <a:r>
+              <a:rPr lang="en-US" sz="2000" b="1" dirty="0"/>
+              <a:t>Unit testing</a:t>
+            </a:r>
+            <a:r>
+              <a:rPr lang="ru-RU" sz="2000" dirty="0"/>
               <a:t>)</a:t>
             </a:r>
             <a:r>
-              <a:rPr lang="en-US" sz="6600" b="1" dirty="0"/>
+              <a:rPr lang="en-US" sz="2000" dirty="0"/>
               <a:t> </a:t>
             </a:r>
-          </a:p>
-        </p:txBody>
-      </p:sp>
+            <a:r>
+              <a:rPr lang="ru-RU" sz="2000" dirty="0"/>
+              <a:t>в том, чтобы писать код который будет проверять работу основного кода. Функция, как пример модуля, может быть протестирована другой, написанной нами функцией. Основная польза модульного тестирования в том, что при изменении кода функции мы может оперативно определить не поломался ли её функционал.</a:t>
+            </a:r>
+            <a:endParaRPr lang="uk-UA" sz="2000" dirty="0"/>
+          </a:p>
+        </p:txBody>
+      </p:sp>
+      <p:sp>
+        <p:nvSpPr>
+          <p:cNvPr id="8" name="TextBox 7"/>
+          <p:cNvSpPr txBox="1"/>
+          <p:nvPr/>
+        </p:nvSpPr>
+        <p:spPr>
+          <a:xfrm>
+            <a:off x="0" y="6165304"/>
+            <a:ext cx="12191999" cy="369332"/>
+          </a:xfrm>
+          <a:prstGeom prst="rect">
+            <a:avLst/>
+          </a:prstGeom>
+          <a:noFill/>
+        </p:spPr>
+        <p:txBody>
+          <a:bodyPr wrap="square" rtlCol="0">
+            <a:spAutoFit/>
+          </a:bodyPr>
+          <a:lstStyle/>
+          <a:p>
+            <a:pPr algn="ctr"/>
+            <a:r>
+              <a:rPr lang="ru-RU" b="1" dirty="0"/>
+              <a:t>Подробнее: </a:t>
+            </a:r>
+            <a:r>
+              <a:rPr lang="en-US" b="1" dirty="0">
+                <a:hlinkClick r:id="rId2"/>
+              </a:rPr>
+              <a:t>https://habr.com/ru/post/169381/</a:t>
+            </a:r>
+            <a:endParaRPr lang="ru-RU" b="1" dirty="0"/>
+          </a:p>
+        </p:txBody>
+      </p:sp>
+      <p:pic>
+        <p:nvPicPr>
+          <p:cNvPr id="2" name="Рисунок 1"/>
+          <p:cNvPicPr>
+            <a:picLocks noChangeAspect="1"/>
+          </p:cNvPicPr>
+          <p:nvPr/>
+        </p:nvPicPr>
+        <p:blipFill>
+          <a:blip r:embed="rId3"/>
+          <a:stretch>
+            <a:fillRect/>
+          </a:stretch>
+        </p:blipFill>
+        <p:spPr>
+          <a:xfrm>
+            <a:off x="839416" y="1243325"/>
+            <a:ext cx="6389910" cy="4625914"/>
+          </a:xfrm>
+          <a:prstGeom prst="rect">
+            <a:avLst/>
+          </a:prstGeom>
+          <a:ln>
+            <a:noFill/>
+          </a:ln>
+          <a:effectLst>
+            <a:outerShdw blurRad="292100" dist="139700" dir="2700000" algn="tl" rotWithShape="0">
+              <a:srgbClr val="333333">
+                <a:alpha val="65000"/>
+              </a:srgbClr>
+            </a:outerShdw>
+          </a:effectLst>
+        </p:spPr>
+      </p:pic>
     </p:spTree>
     <p:extLst>
       <p:ext uri="{BB962C8B-B14F-4D97-AF65-F5344CB8AC3E}">
-        <p14:creationId xmlns:p14="http://schemas.microsoft.com/office/powerpoint/2010/main" val="899785685"/>
+        <p14:creationId xmlns:p14="http://schemas.microsoft.com/office/powerpoint/2010/main" val="2765944910"/>
       </p:ext>
     </p:extLst>
   </p:cSld>
@@ -10819,8 +10900,8 @@
         </p:nvSpPr>
         <p:spPr>
           <a:xfrm>
-            <a:off x="7558946" y="1644186"/>
-            <a:ext cx="4032448" cy="3785652"/>
+            <a:off x="2193405" y="5013176"/>
+            <a:ext cx="7805191" cy="830997"/>
           </a:xfrm>
           <a:prstGeom prst="rect">
             <a:avLst/>
@@ -10834,34 +10915,26 @@
           <a:lstStyle/>
           <a:p>
             <a:r>
-              <a:rPr lang="ru-RU" sz="2000" dirty="0"/>
-              <a:t>Идея </a:t>
-            </a:r>
-            <a:r>
-              <a:rPr lang="ru-RU" sz="2000" b="1" dirty="0"/>
-              <a:t>модульного тестирования </a:t>
-            </a:r>
-            <a:r>
-              <a:rPr lang="ru-RU" sz="2000" dirty="0"/>
-              <a:t>(</a:t>
-            </a:r>
-            <a:r>
-              <a:rPr lang="en-US" sz="2000" b="1" dirty="0"/>
-              <a:t>Unit testing</a:t>
-            </a:r>
-            <a:r>
-              <a:rPr lang="ru-RU" sz="2000" dirty="0"/>
-              <a:t>)</a:t>
-            </a:r>
-            <a:r>
-              <a:rPr lang="en-US" sz="2000" dirty="0"/>
+              <a:rPr lang="ru-RU" sz="2400" dirty="0"/>
+              <a:t>Метод</a:t>
+            </a:r>
+            <a:r>
+              <a:rPr lang="it-IT" sz="2400" dirty="0"/>
               <a:t> </a:t>
             </a:r>
             <a:r>
-              <a:rPr lang="ru-RU" sz="2000" dirty="0"/>
-              <a:t>в том, чтобы писать код который будет проверять работу основного кода. Функция, как пример модуля, может быть протестирована другой, написанной нами функцией. Основная польза модульного тестирования в том, что при изменении кода функции мы может оперативно определить не поломался ли её функционал.</a:t>
-            </a:r>
-            <a:endParaRPr lang="uk-UA" sz="2000" dirty="0"/>
+              <a:rPr lang="en-US" sz="2400" b="1" dirty="0" err="1"/>
+              <a:t>console.assert</a:t>
+            </a:r>
+            <a:r>
+              <a:rPr lang="en-US" sz="2400" b="1" dirty="0"/>
+              <a:t>() </a:t>
+            </a:r>
+            <a:r>
+              <a:rPr lang="ru-RU" sz="2400" dirty="0"/>
+              <a:t>– удобный способ добавить вывод информации об ошибках в консоль разработчика.</a:t>
+            </a:r>
+            <a:endParaRPr lang="uk-UA" sz="2400" dirty="0"/>
           </a:p>
         </p:txBody>
       </p:sp>
@@ -10873,7 +10946,7 @@
         </p:nvSpPr>
         <p:spPr>
           <a:xfrm>
-            <a:off x="0" y="6165304"/>
+            <a:off x="1" y="6165304"/>
             <a:ext cx="12191999" cy="369332"/>
           </a:xfrm>
           <a:prstGeom prst="rect">
@@ -10896,7 +10969,7 @@
               <a:rPr lang="en-US" b="1" dirty="0">
                 <a:hlinkClick r:id="rId2"/>
               </a:rPr>
-              <a:t>https://habr.com/ru/post/169381/</a:t>
+              <a:t>https://developer.mozilla.org/ru/docs/Web/API/Console/assert</a:t>
             </a:r>
             <a:endParaRPr lang="ru-RU" b="1" dirty="0"/>
           </a:p>
@@ -10904,7 +10977,7 @@
       </p:sp>
       <p:pic>
         <p:nvPicPr>
-          <p:cNvPr id="2" name="Рисунок 1"/>
+          <p:cNvPr id="3" name="Рисунок 2"/>
           <p:cNvPicPr>
             <a:picLocks noChangeAspect="1"/>
           </p:cNvPicPr>
@@ -10918,8 +10991,8 @@
         </p:blipFill>
         <p:spPr>
           <a:xfrm>
-            <a:off x="839416" y="1243325"/>
-            <a:ext cx="6389910" cy="4625914"/>
+            <a:off x="2193405" y="990600"/>
+            <a:ext cx="7805191" cy="3590528"/>
           </a:xfrm>
           <a:prstGeom prst="rect">
             <a:avLst/>
@@ -10939,7 +11012,7 @@
     </p:spTree>
     <p:extLst>
       <p:ext uri="{BB962C8B-B14F-4D97-AF65-F5344CB8AC3E}">
-        <p14:creationId xmlns:p14="http://schemas.microsoft.com/office/powerpoint/2010/main" val="2765944910"/>
+        <p14:creationId xmlns:p14="http://schemas.microsoft.com/office/powerpoint/2010/main" val="316371881"/>
       </p:ext>
     </p:extLst>
   </p:cSld>
@@ -10968,253 +11041,55 @@
       </p:grpSpPr>
       <p:sp>
         <p:nvSpPr>
-          <p:cNvPr id="6" name="Номер слайда 36"/>
-          <p:cNvSpPr txBox="1">
-            <a:spLocks/>
-          </p:cNvSpPr>
+          <p:cNvPr id="5" name="Прямоугольник 4"/>
+          <p:cNvSpPr/>
           <p:nvPr/>
         </p:nvSpPr>
         <p:spPr>
           <a:xfrm>
-            <a:off x="11280576" y="6165304"/>
-            <a:ext cx="648072" cy="432048"/>
-          </a:xfrm>
-          <a:prstGeom prst="roundRect">
+            <a:off x="0" y="0"/>
+            <a:ext cx="12192000" cy="6858000"/>
+          </a:xfrm>
+          <a:prstGeom prst="rect">
             <a:avLst/>
           </a:prstGeom>
-          <a:ln w="25400" cap="flat" cmpd="sng" algn="ctr">
-            <a:solidFill>
-              <a:schemeClr val="tx2">
-                <a:lumMod val="60000"/>
-                <a:lumOff val="40000"/>
-              </a:schemeClr>
-            </a:solidFill>
-            <a:prstDash val="solid"/>
-          </a:ln>
+          <a:solidFill>
+            <a:srgbClr val="002060"/>
+          </a:solidFill>
         </p:spPr>
         <p:style>
           <a:lnRef idx="2">
-            <a:schemeClr val="accent1"/>
+            <a:schemeClr val="accent1">
+              <a:shade val="50000"/>
+            </a:schemeClr>
           </a:lnRef>
           <a:fillRef idx="1">
-            <a:schemeClr val="lt1"/>
+            <a:schemeClr val="accent1"/>
           </a:fillRef>
           <a:effectRef idx="0">
             <a:schemeClr val="accent1"/>
           </a:effectRef>
           <a:fontRef idx="minor">
-            <a:schemeClr val="dk1"/>
+            <a:schemeClr val="lt1"/>
           </a:fontRef>
         </p:style>
         <p:txBody>
-          <a:bodyPr vert="horz" lIns="91440" tIns="45720" rIns="91440" bIns="45720" rtlCol="0" anchor="ctr"/>
-          <a:lstStyle/>
-          <a:p>
-            <a:pPr algn="ctr">
-              <a:defRPr/>
-            </a:pPr>
-            <a:fld id="{6389AA22-90B4-448C-8B6B-C699140D38B9}" type="slidenum">
-              <a:rPr lang="uk-UA" sz="2400" b="1">
-                <a:solidFill>
-                  <a:schemeClr val="bg1">
-                    <a:lumMod val="50000"/>
-                  </a:schemeClr>
-                </a:solidFill>
-              </a:rPr>
-              <a:pPr algn="ctr">
-                <a:defRPr/>
-              </a:pPr>
-              <a:t>31</a:t>
-            </a:fld>
-            <a:endParaRPr lang="uk-UA" sz="2400" b="1" dirty="0">
-              <a:solidFill>
-                <a:schemeClr val="bg1">
-                  <a:lumMod val="50000"/>
-                </a:schemeClr>
-              </a:solidFill>
-            </a:endParaRPr>
-          </a:p>
-        </p:txBody>
-      </p:sp>
-      <p:sp>
-        <p:nvSpPr>
-          <p:cNvPr id="10" name="Заголовок 4"/>
-          <p:cNvSpPr txBox="1">
-            <a:spLocks/>
-          </p:cNvSpPr>
-          <p:nvPr/>
-        </p:nvSpPr>
-        <p:spPr>
-          <a:xfrm>
-            <a:off x="0" y="188640"/>
-            <a:ext cx="12192000" cy="720080"/>
-          </a:xfrm>
-          <a:prstGeom prst="rect">
-            <a:avLst/>
-          </a:prstGeom>
-        </p:spPr>
-        <p:txBody>
-          <a:bodyPr vert="horz" lIns="91440" tIns="45720" rIns="91440" bIns="45720" rtlCol="0" anchor="ctr">
-            <a:noAutofit/>
-          </a:bodyPr>
-          <a:lstStyle/>
-          <a:p>
-            <a:pPr algn="ctr">
-              <a:spcBef>
-                <a:spcPct val="0"/>
-              </a:spcBef>
-              <a:defRPr/>
-            </a:pPr>
-            <a:r>
-              <a:rPr lang="en-US" sz="3600" b="1" dirty="0">
-                <a:latin typeface="+mj-lt"/>
-                <a:ea typeface="+mj-ea"/>
-                <a:cs typeface="+mj-cs"/>
-              </a:rPr>
-              <a:t>Unit testing</a:t>
-            </a:r>
-            <a:r>
-              <a:rPr lang="ru-RU" sz="3600" b="1" dirty="0">
-                <a:latin typeface="+mj-lt"/>
-                <a:ea typeface="+mj-ea"/>
-                <a:cs typeface="+mj-cs"/>
-              </a:rPr>
-              <a:t> – модульное тестирование</a:t>
-            </a:r>
-            <a:endParaRPr lang="ru-RU" sz="3600" b="1" dirty="0">
-              <a:solidFill>
-                <a:schemeClr val="bg1">
-                  <a:lumMod val="50000"/>
-                </a:schemeClr>
-              </a:solidFill>
-              <a:latin typeface="+mj-lt"/>
-              <a:ea typeface="+mj-ea"/>
-              <a:cs typeface="+mj-cs"/>
-            </a:endParaRPr>
-          </a:p>
-        </p:txBody>
-      </p:sp>
-      <p:sp>
-        <p:nvSpPr>
-          <p:cNvPr id="11" name="TextBox 10"/>
-          <p:cNvSpPr txBox="1"/>
-          <p:nvPr/>
-        </p:nvSpPr>
-        <p:spPr>
-          <a:xfrm>
-            <a:off x="2193405" y="5013176"/>
-            <a:ext cx="7805191" cy="830997"/>
-          </a:xfrm>
-          <a:prstGeom prst="rect">
-            <a:avLst/>
-          </a:prstGeom>
-          <a:noFill/>
-        </p:spPr>
-        <p:txBody>
-          <a:bodyPr wrap="square" rtlCol="0">
-            <a:spAutoFit/>
-          </a:bodyPr>
-          <a:lstStyle/>
-          <a:p>
-            <a:r>
-              <a:rPr lang="ru-RU" sz="2400" dirty="0"/>
-              <a:t>Метод</a:t>
-            </a:r>
-            <a:r>
-              <a:rPr lang="it-IT" sz="2400" dirty="0"/>
-              <a:t> </a:t>
-            </a:r>
-            <a:r>
-              <a:rPr lang="en-US" sz="2400" b="1" dirty="0" err="1"/>
-              <a:t>console.assert</a:t>
-            </a:r>
-            <a:r>
-              <a:rPr lang="en-US" sz="2400" b="1" dirty="0"/>
-              <a:t>() </a:t>
-            </a:r>
-            <a:r>
-              <a:rPr lang="ru-RU" sz="2400" dirty="0"/>
-              <a:t>– удобный способ добавить вывод информации об ошибках в консоль разработчика.</a:t>
-            </a:r>
-            <a:endParaRPr lang="uk-UA" sz="2400" dirty="0"/>
-          </a:p>
-        </p:txBody>
-      </p:sp>
-      <p:sp>
-        <p:nvSpPr>
-          <p:cNvPr id="8" name="TextBox 7"/>
-          <p:cNvSpPr txBox="1"/>
-          <p:nvPr/>
-        </p:nvSpPr>
-        <p:spPr>
-          <a:xfrm>
-            <a:off x="1" y="6165304"/>
-            <a:ext cx="12191999" cy="369332"/>
-          </a:xfrm>
-          <a:prstGeom prst="rect">
-            <a:avLst/>
-          </a:prstGeom>
-          <a:noFill/>
-        </p:spPr>
-        <p:txBody>
-          <a:bodyPr wrap="square" rtlCol="0">
-            <a:spAutoFit/>
-          </a:bodyPr>
+          <a:bodyPr rtlCol="0" anchor="ctr"/>
           <a:lstStyle/>
           <a:p>
             <a:pPr algn="ctr"/>
             <a:r>
-              <a:rPr lang="ru-RU" b="1" dirty="0"/>
-              <a:t>Подробнее: </a:t>
-            </a:r>
-            <a:r>
-              <a:rPr lang="en-US" b="1" dirty="0">
-                <a:hlinkClick r:id="rId2"/>
-              </a:rPr>
-              <a:t>https://developer.mozilla.org/ru/docs/Web/API/Console/assert</a:t>
-            </a:r>
-            <a:endParaRPr lang="ru-RU" b="1" dirty="0"/>
-          </a:p>
-        </p:txBody>
-      </p:sp>
-      <p:pic>
-        <p:nvPicPr>
-          <p:cNvPr id="3" name="Рисунок 2"/>
-          <p:cNvPicPr>
-            <a:picLocks noChangeAspect="1"/>
-          </p:cNvPicPr>
-          <p:nvPr/>
-        </p:nvPicPr>
-        <p:blipFill>
-          <a:blip r:embed="rId3"/>
-          <a:stretch>
-            <a:fillRect/>
-          </a:stretch>
-        </p:blipFill>
-        <p:spPr>
-          <a:xfrm>
-            <a:off x="2193405" y="990600"/>
-            <a:ext cx="7805191" cy="3590528"/>
-          </a:xfrm>
-          <a:prstGeom prst="rect">
-            <a:avLst/>
-          </a:prstGeom>
-          <a:ln>
-            <a:noFill/>
-          </a:ln>
-          <a:effectLst>
-            <a:outerShdw blurRad="292100" dist="139700" dir="2700000" algn="tl" rotWithShape="0">
-              <a:srgbClr val="333333">
-                <a:alpha val="65000"/>
-              </a:srgbClr>
-            </a:outerShdw>
-          </a:effectLst>
-        </p:spPr>
-      </p:pic>
+              <a:rPr lang="ru-RU" sz="6000" b="1" dirty="0"/>
+              <a:t>9. Немного практики</a:t>
+            </a:r>
+            <a:endParaRPr lang="uk-UA" sz="6000" b="1" dirty="0"/>
+          </a:p>
+        </p:txBody>
+      </p:sp>
     </p:spTree>
     <p:extLst>
       <p:ext uri="{BB962C8B-B14F-4D97-AF65-F5344CB8AC3E}">
-        <p14:creationId xmlns:p14="http://schemas.microsoft.com/office/powerpoint/2010/main" val="316371881"/>
+        <p14:creationId xmlns:p14="http://schemas.microsoft.com/office/powerpoint/2010/main" val="236005783"/>
       </p:ext>
     </p:extLst>
   </p:cSld>
@@ -11243,59 +11118,360 @@
       </p:grpSpPr>
       <p:sp>
         <p:nvSpPr>
-          <p:cNvPr id="5" name="Прямоугольник 4"/>
-          <p:cNvSpPr/>
+          <p:cNvPr id="3" name="Заголовок 4"/>
+          <p:cNvSpPr>
+            <a:spLocks noGrp="1"/>
+          </p:cNvSpPr>
+          <p:nvPr>
+            <p:ph type="title"/>
+          </p:nvPr>
+        </p:nvSpPr>
+        <p:spPr>
+          <a:xfrm>
+            <a:off x="2186880" y="44624"/>
+            <a:ext cx="8229600" cy="1008112"/>
+          </a:xfrm>
+        </p:spPr>
+        <p:txBody>
+          <a:bodyPr>
+            <a:normAutofit/>
+          </a:bodyPr>
+          <a:lstStyle/>
+          <a:p>
+            <a:r>
+              <a:rPr lang="ru-RU" sz="3600" b="1" dirty="0"/>
+              <a:t>Алгоритм Луна</a:t>
+            </a:r>
+            <a:endParaRPr lang="uk-UA" sz="3600" b="1" dirty="0"/>
+          </a:p>
+        </p:txBody>
+      </p:sp>
+      <p:sp>
+        <p:nvSpPr>
+          <p:cNvPr id="6" name="Номер слайда 36"/>
+          <p:cNvSpPr txBox="1">
+            <a:spLocks/>
+          </p:cNvSpPr>
           <p:nvPr/>
         </p:nvSpPr>
         <p:spPr>
           <a:xfrm>
-            <a:off x="0" y="0"/>
-            <a:ext cx="12192000" cy="6858000"/>
-          </a:xfrm>
-          <a:prstGeom prst="rect">
+            <a:off x="11208568" y="6190853"/>
+            <a:ext cx="648072" cy="432048"/>
+          </a:xfrm>
+          <a:prstGeom prst="roundRect">
             <a:avLst/>
           </a:prstGeom>
-          <a:solidFill>
-            <a:srgbClr val="002060"/>
-          </a:solidFill>
+          <a:ln w="25400" cap="flat" cmpd="sng" algn="ctr">
+            <a:solidFill>
+              <a:schemeClr val="tx2">
+                <a:lumMod val="60000"/>
+                <a:lumOff val="40000"/>
+              </a:schemeClr>
+            </a:solidFill>
+            <a:prstDash val="solid"/>
+          </a:ln>
         </p:spPr>
         <p:style>
           <a:lnRef idx="2">
-            <a:schemeClr val="accent1">
-              <a:shade val="50000"/>
-            </a:schemeClr>
+            <a:schemeClr val="accent1"/>
           </a:lnRef>
           <a:fillRef idx="1">
-            <a:schemeClr val="accent1"/>
+            <a:schemeClr val="lt1"/>
           </a:fillRef>
           <a:effectRef idx="0">
             <a:schemeClr val="accent1"/>
           </a:effectRef>
           <a:fontRef idx="minor">
-            <a:schemeClr val="lt1"/>
+            <a:schemeClr val="dk1"/>
           </a:fontRef>
         </p:style>
         <p:txBody>
-          <a:bodyPr rtlCol="0" anchor="ctr"/>
+          <a:bodyPr vert="horz" lIns="91440" tIns="45720" rIns="91440" bIns="45720" rtlCol="0" anchor="ctr"/>
+          <a:lstStyle/>
+          <a:p>
+            <a:pPr algn="ctr">
+              <a:defRPr/>
+            </a:pPr>
+            <a:fld id="{6389AA22-90B4-448C-8B6B-C699140D38B9}" type="slidenum">
+              <a:rPr lang="uk-UA" sz="2400" b="1">
+                <a:solidFill>
+                  <a:schemeClr val="bg1">
+                    <a:lumMod val="50000"/>
+                  </a:schemeClr>
+                </a:solidFill>
+              </a:rPr>
+              <a:pPr algn="ctr">
+                <a:defRPr/>
+              </a:pPr>
+              <a:t>32</a:t>
+            </a:fld>
+            <a:endParaRPr lang="uk-UA" sz="2400" b="1" dirty="0">
+              <a:solidFill>
+                <a:schemeClr val="bg1">
+                  <a:lumMod val="50000"/>
+                </a:schemeClr>
+              </a:solidFill>
+            </a:endParaRPr>
+          </a:p>
+        </p:txBody>
+      </p:sp>
+      <p:pic>
+        <p:nvPicPr>
+          <p:cNvPr id="1026" name="Picture 2" descr="http://rewards.mastercard.ua/uploads/picture/pK4EUgwiN3yd5GnL6qp8_1678/master_blue.png"/>
+          <p:cNvPicPr>
+            <a:picLocks noChangeAspect="1" noChangeArrowheads="1"/>
+          </p:cNvPicPr>
+          <p:nvPr/>
+        </p:nvPicPr>
+        <p:blipFill>
+          <a:blip r:embed="rId2">
+            <a:extLst>
+              <a:ext uri="{28A0092B-C50C-407E-A947-70E740481C1C}">
+                <a14:useLocalDpi xmlns:a14="http://schemas.microsoft.com/office/drawing/2010/main" val="0"/>
+              </a:ext>
+            </a:extLst>
+          </a:blip>
+          <a:srcRect/>
+          <a:stretch>
+            <a:fillRect/>
+          </a:stretch>
+        </p:blipFill>
+        <p:spPr bwMode="auto">
+          <a:xfrm>
+            <a:off x="863724" y="934560"/>
+            <a:ext cx="3936132" cy="2532337"/>
+          </a:xfrm>
+          <a:prstGeom prst="rect">
+            <a:avLst/>
+          </a:prstGeom>
+          <a:noFill/>
+          <a:extLst>
+            <a:ext uri="{909E8E84-426E-40DD-AFC4-6F175D3DCCD1}">
+              <a14:hiddenFill xmlns:a14="http://schemas.microsoft.com/office/drawing/2010/main">
+                <a:solidFill>
+                  <a:srgbClr val="FFFFFF"/>
+                </a:solidFill>
+              </a14:hiddenFill>
+            </a:ext>
+          </a:extLst>
+        </p:spPr>
+      </p:pic>
+      <p:sp>
+        <p:nvSpPr>
+          <p:cNvPr id="7" name="TextBox 6"/>
+          <p:cNvSpPr txBox="1"/>
+          <p:nvPr/>
+        </p:nvSpPr>
+        <p:spPr>
+          <a:xfrm>
+            <a:off x="2216368" y="3573016"/>
+            <a:ext cx="8143612" cy="2308324"/>
+          </a:xfrm>
+          <a:prstGeom prst="rect">
+            <a:avLst/>
+          </a:prstGeom>
+          <a:noFill/>
+        </p:spPr>
+        <p:txBody>
+          <a:bodyPr wrap="square" rtlCol="0">
+            <a:spAutoFit/>
+          </a:bodyPr>
+          <a:lstStyle/>
+          <a:p>
+            <a:pPr algn="just"/>
+            <a:r>
+              <a:rPr lang="ru-RU" sz="2400" i="1" dirty="0"/>
+              <a:t>Алгоритм Луна проверяет контрольную сумму числа, широко применяется для проверки корректности номера банковских карт.</a:t>
+            </a:r>
+          </a:p>
+          <a:p>
+            <a:pPr algn="just"/>
+            <a:endParaRPr lang="en-US" sz="2400" i="1" dirty="0"/>
+          </a:p>
+          <a:p>
+            <a:pPr algn="just"/>
+            <a:r>
+              <a:rPr lang="ru-RU" sz="2400" b="1" dirty="0"/>
+              <a:t>Задача: </a:t>
+            </a:r>
+            <a:r>
+              <a:rPr lang="ru-RU" sz="2400" dirty="0"/>
+              <a:t>пользователь вводит номер банковской карты, необходимо проверить не ошибся ли он.</a:t>
+            </a:r>
+          </a:p>
+        </p:txBody>
+      </p:sp>
+      <p:sp>
+        <p:nvSpPr>
+          <p:cNvPr id="4" name="Прямоугольник 3"/>
+          <p:cNvSpPr/>
+          <p:nvPr/>
+        </p:nvSpPr>
+        <p:spPr>
+          <a:xfrm>
+            <a:off x="6792416" y="1323565"/>
+            <a:ext cx="6096000" cy="1754326"/>
+          </a:xfrm>
+          <a:prstGeom prst="rect">
+            <a:avLst/>
+          </a:prstGeom>
+        </p:spPr>
+        <p:txBody>
+          <a:bodyPr>
+            <a:spAutoFit/>
+          </a:bodyPr>
+          <a:lstStyle/>
+          <a:p>
+            <a:r>
+              <a:rPr lang="pt-BR" sz="3600" i="1" dirty="0"/>
+              <a:t>4916 5526 5398 1949</a:t>
+            </a:r>
+          </a:p>
+          <a:p>
+            <a:endParaRPr lang="pt-BR" sz="3600" i="1" dirty="0"/>
+          </a:p>
+          <a:p>
+            <a:r>
+              <a:rPr lang="pt-BR" sz="3600" i="1" dirty="0"/>
+              <a:t>5357 6872 3409 1447</a:t>
+            </a:r>
+          </a:p>
+        </p:txBody>
+      </p:sp>
+      <p:pic>
+        <p:nvPicPr>
+          <p:cNvPr id="5" name="Picture 2" descr="Ð ÐµÐ·ÑÐ»ÑÑÐ°Ñ Ð¿Ð¾ÑÑÐºÑ Ð·Ð¾Ð±ÑÐ°Ð¶ÐµÐ½Ñ Ð·Ð° Ð·Ð°Ð¿Ð¸ÑÐ¾Ð¼ &quot;visa&quot;"/>
+          <p:cNvPicPr>
+            <a:picLocks noChangeAspect="1" noChangeArrowheads="1"/>
+          </p:cNvPicPr>
+          <p:nvPr/>
+        </p:nvPicPr>
+        <p:blipFill>
+          <a:blip r:embed="rId3" cstate="print">
+            <a:extLst>
+              <a:ext uri="{28A0092B-C50C-407E-A947-70E740481C1C}">
+                <a14:useLocalDpi xmlns:a14="http://schemas.microsoft.com/office/drawing/2010/main" val="0"/>
+              </a:ext>
+            </a:extLst>
+          </a:blip>
+          <a:srcRect/>
+          <a:stretch>
+            <a:fillRect/>
+          </a:stretch>
+        </p:blipFill>
+        <p:spPr bwMode="auto">
+          <a:xfrm>
+            <a:off x="5303912" y="1423118"/>
+            <a:ext cx="1292895" cy="421706"/>
+          </a:xfrm>
+          <a:prstGeom prst="rect">
+            <a:avLst/>
+          </a:prstGeom>
+          <a:noFill/>
+          <a:extLst>
+            <a:ext uri="{909E8E84-426E-40DD-AFC4-6F175D3DCCD1}">
+              <a14:hiddenFill xmlns:a14="http://schemas.microsoft.com/office/drawing/2010/main">
+                <a:solidFill>
+                  <a:srgbClr val="FFFFFF"/>
+                </a:solidFill>
+              </a14:hiddenFill>
+            </a:ext>
+          </a:extLst>
+        </p:spPr>
+      </p:pic>
+      <p:pic>
+        <p:nvPicPr>
+          <p:cNvPr id="1030" name="Picture 6" descr="ÐÐ¾Ð²âÑÐ·Ð°Ð½Ðµ Ð·Ð¾Ð±ÑÐ°Ð¶ÐµÐ½Ð½Ñ"/>
+          <p:cNvPicPr>
+            <a:picLocks noChangeAspect="1" noChangeArrowheads="1"/>
+          </p:cNvPicPr>
+          <p:nvPr/>
+        </p:nvPicPr>
+        <p:blipFill>
+          <a:blip r:embed="rId4" cstate="print">
+            <a:extLst>
+              <a:ext uri="{28A0092B-C50C-407E-A947-70E740481C1C}">
+                <a14:useLocalDpi xmlns:a14="http://schemas.microsoft.com/office/drawing/2010/main" val="0"/>
+              </a:ext>
+            </a:extLst>
+          </a:blip>
+          <a:srcRect/>
+          <a:stretch>
+            <a:fillRect/>
+          </a:stretch>
+        </p:blipFill>
+        <p:spPr bwMode="auto">
+          <a:xfrm>
+            <a:off x="5303912" y="2279650"/>
+            <a:ext cx="1389083" cy="1002556"/>
+          </a:xfrm>
+          <a:prstGeom prst="rect">
+            <a:avLst/>
+          </a:prstGeom>
+          <a:noFill/>
+          <a:extLst>
+            <a:ext uri="{909E8E84-426E-40DD-AFC4-6F175D3DCCD1}">
+              <a14:hiddenFill xmlns:a14="http://schemas.microsoft.com/office/drawing/2010/main">
+                <a:solidFill>
+                  <a:srgbClr val="FFFFFF"/>
+                </a:solidFill>
+              </a14:hiddenFill>
+            </a:ext>
+          </a:extLst>
+        </p:spPr>
+      </p:pic>
+      <p:sp>
+        <p:nvSpPr>
+          <p:cNvPr id="10" name="TextBox 9"/>
+          <p:cNvSpPr txBox="1"/>
+          <p:nvPr/>
+        </p:nvSpPr>
+        <p:spPr>
+          <a:xfrm>
+            <a:off x="0" y="6021288"/>
+            <a:ext cx="12192000" cy="461665"/>
+          </a:xfrm>
+          <a:prstGeom prst="rect">
+            <a:avLst/>
+          </a:prstGeom>
+          <a:noFill/>
+        </p:spPr>
+        <p:txBody>
+          <a:bodyPr wrap="square" rtlCol="0">
+            <a:spAutoFit/>
+          </a:bodyPr>
           <a:lstStyle/>
           <a:p>
             <a:pPr algn="ctr"/>
             <a:r>
-              <a:rPr lang="ru-RU" sz="6000" b="1" dirty="0"/>
-              <a:t>9. Немного практики</a:t>
-            </a:r>
-            <a:r>
-              <a:rPr lang="en-US" sz="6000" b="1" dirty="0"/>
-              <a:t> #1</a:t>
-            </a:r>
-            <a:endParaRPr lang="uk-UA" sz="6000" b="1" dirty="0"/>
+              <a:rPr lang="ru-RU" sz="2400" b="1" dirty="0"/>
+              <a:t>Подробнее:</a:t>
+            </a:r>
+            <a:r>
+              <a:rPr lang="en-US" sz="2400" b="1" dirty="0"/>
+              <a:t> </a:t>
+            </a:r>
+            <a:r>
+              <a:rPr lang="en-US" sz="2400" b="1" dirty="0">
+                <a:hlinkClick r:id="rId5"/>
+              </a:rPr>
+              <a:t>https://uk.wikipedia.org/wiki/</a:t>
+            </a:r>
+            <a:r>
+              <a:rPr lang="ru-RU" sz="2400" b="1" dirty="0" err="1">
+                <a:hlinkClick r:id="rId5"/>
+              </a:rPr>
+              <a:t>Алгоритм_Луна</a:t>
+            </a:r>
+            <a:endParaRPr lang="ru-RU" sz="2400" b="1" dirty="0"/>
           </a:p>
         </p:txBody>
       </p:sp>
     </p:spTree>
     <p:extLst>
       <p:ext uri="{BB962C8B-B14F-4D97-AF65-F5344CB8AC3E}">
-        <p14:creationId xmlns:p14="http://schemas.microsoft.com/office/powerpoint/2010/main" val="236005783"/>
+        <p14:creationId xmlns:p14="http://schemas.microsoft.com/office/powerpoint/2010/main" val="359246607"/>
       </p:ext>
     </p:extLst>
   </p:cSld>
@@ -11334,8 +11510,8 @@
         </p:nvSpPr>
         <p:spPr>
           <a:xfrm>
-            <a:off x="2186880" y="44624"/>
-            <a:ext cx="8229600" cy="1008112"/>
+            <a:off x="0" y="260648"/>
+            <a:ext cx="12192000" cy="1008112"/>
           </a:xfrm>
         </p:spPr>
         <p:txBody>
@@ -11346,7 +11522,7 @@
           <a:p>
             <a:r>
               <a:rPr lang="ru-RU" sz="3600" b="1" dirty="0"/>
-              <a:t>Алгоритм Луна</a:t>
+              <a:t>Генератор номера карты</a:t>
             </a:r>
             <a:endParaRPr lang="uk-UA" sz="3600" b="1" dirty="0"/>
           </a:p>
@@ -11411,388 +11587,6 @@
                 <a:defRPr/>
               </a:pPr>
               <a:t>33</a:t>
-            </a:fld>
-            <a:endParaRPr lang="uk-UA" sz="2400" b="1" dirty="0">
-              <a:solidFill>
-                <a:schemeClr val="bg1">
-                  <a:lumMod val="50000"/>
-                </a:schemeClr>
-              </a:solidFill>
-            </a:endParaRPr>
-          </a:p>
-        </p:txBody>
-      </p:sp>
-      <p:pic>
-        <p:nvPicPr>
-          <p:cNvPr id="1026" name="Picture 2" descr="http://rewards.mastercard.ua/uploads/picture/pK4EUgwiN3yd5GnL6qp8_1678/master_blue.png"/>
-          <p:cNvPicPr>
-            <a:picLocks noChangeAspect="1" noChangeArrowheads="1"/>
-          </p:cNvPicPr>
-          <p:nvPr/>
-        </p:nvPicPr>
-        <p:blipFill>
-          <a:blip r:embed="rId2">
-            <a:extLst>
-              <a:ext uri="{28A0092B-C50C-407E-A947-70E740481C1C}">
-                <a14:useLocalDpi xmlns:a14="http://schemas.microsoft.com/office/drawing/2010/main" val="0"/>
-              </a:ext>
-            </a:extLst>
-          </a:blip>
-          <a:srcRect/>
-          <a:stretch>
-            <a:fillRect/>
-          </a:stretch>
-        </p:blipFill>
-        <p:spPr bwMode="auto">
-          <a:xfrm>
-            <a:off x="863724" y="934560"/>
-            <a:ext cx="3936132" cy="2532337"/>
-          </a:xfrm>
-          <a:prstGeom prst="rect">
-            <a:avLst/>
-          </a:prstGeom>
-          <a:noFill/>
-          <a:extLst>
-            <a:ext uri="{909E8E84-426E-40DD-AFC4-6F175D3DCCD1}">
-              <a14:hiddenFill xmlns:a14="http://schemas.microsoft.com/office/drawing/2010/main">
-                <a:solidFill>
-                  <a:srgbClr val="FFFFFF"/>
-                </a:solidFill>
-              </a14:hiddenFill>
-            </a:ext>
-          </a:extLst>
-        </p:spPr>
-      </p:pic>
-      <p:sp>
-        <p:nvSpPr>
-          <p:cNvPr id="7" name="TextBox 6"/>
-          <p:cNvSpPr txBox="1"/>
-          <p:nvPr/>
-        </p:nvSpPr>
-        <p:spPr>
-          <a:xfrm>
-            <a:off x="2216368" y="3573016"/>
-            <a:ext cx="8143612" cy="2308324"/>
-          </a:xfrm>
-          <a:prstGeom prst="rect">
-            <a:avLst/>
-          </a:prstGeom>
-          <a:noFill/>
-        </p:spPr>
-        <p:txBody>
-          <a:bodyPr wrap="square" rtlCol="0">
-            <a:spAutoFit/>
-          </a:bodyPr>
-          <a:lstStyle/>
-          <a:p>
-            <a:pPr algn="just"/>
-            <a:r>
-              <a:rPr lang="ru-RU" sz="2400" i="1" dirty="0"/>
-              <a:t>Алгоритм Луна проверяет контрольную сумму числа, широко применяется для проверки корректности номера банковских карт.</a:t>
-            </a:r>
-          </a:p>
-          <a:p>
-            <a:pPr algn="just"/>
-            <a:endParaRPr lang="en-US" sz="2400" i="1" dirty="0"/>
-          </a:p>
-          <a:p>
-            <a:pPr algn="just"/>
-            <a:r>
-              <a:rPr lang="ru-RU" sz="2400" b="1" dirty="0"/>
-              <a:t>Задача: </a:t>
-            </a:r>
-            <a:r>
-              <a:rPr lang="ru-RU" sz="2400" dirty="0"/>
-              <a:t>пользователь вводит номер банковской карты, необходимо проверить не ошибся ли он.</a:t>
-            </a:r>
-          </a:p>
-        </p:txBody>
-      </p:sp>
-      <p:sp>
-        <p:nvSpPr>
-          <p:cNvPr id="4" name="Прямоугольник 3"/>
-          <p:cNvSpPr/>
-          <p:nvPr/>
-        </p:nvSpPr>
-        <p:spPr>
-          <a:xfrm>
-            <a:off x="6792416" y="1323565"/>
-            <a:ext cx="6096000" cy="1754326"/>
-          </a:xfrm>
-          <a:prstGeom prst="rect">
-            <a:avLst/>
-          </a:prstGeom>
-        </p:spPr>
-        <p:txBody>
-          <a:bodyPr>
-            <a:spAutoFit/>
-          </a:bodyPr>
-          <a:lstStyle/>
-          <a:p>
-            <a:r>
-              <a:rPr lang="pt-BR" sz="3600" i="1" dirty="0"/>
-              <a:t>4916 5526 5398 1949</a:t>
-            </a:r>
-          </a:p>
-          <a:p>
-            <a:endParaRPr lang="pt-BR" sz="3600" i="1" dirty="0"/>
-          </a:p>
-          <a:p>
-            <a:r>
-              <a:rPr lang="pt-BR" sz="3600" i="1" dirty="0"/>
-              <a:t>5357 6872 3409 1447</a:t>
-            </a:r>
-          </a:p>
-        </p:txBody>
-      </p:sp>
-      <p:pic>
-        <p:nvPicPr>
-          <p:cNvPr id="5" name="Picture 2" descr="Ð ÐµÐ·ÑÐ»ÑÑÐ°Ñ Ð¿Ð¾ÑÑÐºÑ Ð·Ð¾Ð±ÑÐ°Ð¶ÐµÐ½Ñ Ð·Ð° Ð·Ð°Ð¿Ð¸ÑÐ¾Ð¼ &quot;visa&quot;"/>
-          <p:cNvPicPr>
-            <a:picLocks noChangeAspect="1" noChangeArrowheads="1"/>
-          </p:cNvPicPr>
-          <p:nvPr/>
-        </p:nvPicPr>
-        <p:blipFill>
-          <a:blip r:embed="rId3" cstate="print">
-            <a:extLst>
-              <a:ext uri="{28A0092B-C50C-407E-A947-70E740481C1C}">
-                <a14:useLocalDpi xmlns:a14="http://schemas.microsoft.com/office/drawing/2010/main" val="0"/>
-              </a:ext>
-            </a:extLst>
-          </a:blip>
-          <a:srcRect/>
-          <a:stretch>
-            <a:fillRect/>
-          </a:stretch>
-        </p:blipFill>
-        <p:spPr bwMode="auto">
-          <a:xfrm>
-            <a:off x="5303912" y="1423118"/>
-            <a:ext cx="1292895" cy="421706"/>
-          </a:xfrm>
-          <a:prstGeom prst="rect">
-            <a:avLst/>
-          </a:prstGeom>
-          <a:noFill/>
-          <a:extLst>
-            <a:ext uri="{909E8E84-426E-40DD-AFC4-6F175D3DCCD1}">
-              <a14:hiddenFill xmlns:a14="http://schemas.microsoft.com/office/drawing/2010/main">
-                <a:solidFill>
-                  <a:srgbClr val="FFFFFF"/>
-                </a:solidFill>
-              </a14:hiddenFill>
-            </a:ext>
-          </a:extLst>
-        </p:spPr>
-      </p:pic>
-      <p:pic>
-        <p:nvPicPr>
-          <p:cNvPr id="1030" name="Picture 6" descr="ÐÐ¾Ð²âÑÐ·Ð°Ð½Ðµ Ð·Ð¾Ð±ÑÐ°Ð¶ÐµÐ½Ð½Ñ"/>
-          <p:cNvPicPr>
-            <a:picLocks noChangeAspect="1" noChangeArrowheads="1"/>
-          </p:cNvPicPr>
-          <p:nvPr/>
-        </p:nvPicPr>
-        <p:blipFill>
-          <a:blip r:embed="rId4" cstate="print">
-            <a:extLst>
-              <a:ext uri="{28A0092B-C50C-407E-A947-70E740481C1C}">
-                <a14:useLocalDpi xmlns:a14="http://schemas.microsoft.com/office/drawing/2010/main" val="0"/>
-              </a:ext>
-            </a:extLst>
-          </a:blip>
-          <a:srcRect/>
-          <a:stretch>
-            <a:fillRect/>
-          </a:stretch>
-        </p:blipFill>
-        <p:spPr bwMode="auto">
-          <a:xfrm>
-            <a:off x="5303912" y="2279650"/>
-            <a:ext cx="1389083" cy="1002556"/>
-          </a:xfrm>
-          <a:prstGeom prst="rect">
-            <a:avLst/>
-          </a:prstGeom>
-          <a:noFill/>
-          <a:extLst>
-            <a:ext uri="{909E8E84-426E-40DD-AFC4-6F175D3DCCD1}">
-              <a14:hiddenFill xmlns:a14="http://schemas.microsoft.com/office/drawing/2010/main">
-                <a:solidFill>
-                  <a:srgbClr val="FFFFFF"/>
-                </a:solidFill>
-              </a14:hiddenFill>
-            </a:ext>
-          </a:extLst>
-        </p:spPr>
-      </p:pic>
-      <p:sp>
-        <p:nvSpPr>
-          <p:cNvPr id="10" name="TextBox 9"/>
-          <p:cNvSpPr txBox="1"/>
-          <p:nvPr/>
-        </p:nvSpPr>
-        <p:spPr>
-          <a:xfrm>
-            <a:off x="0" y="6021288"/>
-            <a:ext cx="12192000" cy="461665"/>
-          </a:xfrm>
-          <a:prstGeom prst="rect">
-            <a:avLst/>
-          </a:prstGeom>
-          <a:noFill/>
-        </p:spPr>
-        <p:txBody>
-          <a:bodyPr wrap="square" rtlCol="0">
-            <a:spAutoFit/>
-          </a:bodyPr>
-          <a:lstStyle/>
-          <a:p>
-            <a:pPr algn="ctr"/>
-            <a:r>
-              <a:rPr lang="ru-RU" sz="2400" b="1" dirty="0"/>
-              <a:t>Подробнее:</a:t>
-            </a:r>
-            <a:r>
-              <a:rPr lang="en-US" sz="2400" b="1" dirty="0"/>
-              <a:t> </a:t>
-            </a:r>
-            <a:r>
-              <a:rPr lang="en-US" sz="2400" b="1" dirty="0">
-                <a:hlinkClick r:id="rId5"/>
-              </a:rPr>
-              <a:t>https://uk.wikipedia.org/wiki/</a:t>
-            </a:r>
-            <a:r>
-              <a:rPr lang="ru-RU" sz="2400" b="1" dirty="0" err="1">
-                <a:hlinkClick r:id="rId5"/>
-              </a:rPr>
-              <a:t>Алгоритм_Луна</a:t>
-            </a:r>
-            <a:endParaRPr lang="ru-RU" sz="2400" b="1" dirty="0"/>
-          </a:p>
-        </p:txBody>
-      </p:sp>
-    </p:spTree>
-    <p:extLst>
-      <p:ext uri="{BB962C8B-B14F-4D97-AF65-F5344CB8AC3E}">
-        <p14:creationId xmlns:p14="http://schemas.microsoft.com/office/powerpoint/2010/main" val="359246607"/>
-      </p:ext>
-    </p:extLst>
-  </p:cSld>
-  <p:clrMapOvr>
-    <a:masterClrMapping/>
-  </p:clrMapOvr>
-</p:sld>
-</file>
-
-<file path=ppt/slides/slide34.xml><?xml version="1.0" encoding="utf-8"?>
-<p:sld xmlns:a="http://schemas.openxmlformats.org/drawingml/2006/main" xmlns:r="http://schemas.openxmlformats.org/officeDocument/2006/relationships" xmlns:p="http://schemas.openxmlformats.org/presentationml/2006/main">
-  <p:cSld>
-    <p:spTree>
-      <p:nvGrpSpPr>
-        <p:cNvPr id="1" name=""/>
-        <p:cNvGrpSpPr/>
-        <p:nvPr/>
-      </p:nvGrpSpPr>
-      <p:grpSpPr>
-        <a:xfrm>
-          <a:off x="0" y="0"/>
-          <a:ext cx="0" cy="0"/>
-          <a:chOff x="0" y="0"/>
-          <a:chExt cx="0" cy="0"/>
-        </a:xfrm>
-      </p:grpSpPr>
-      <p:sp>
-        <p:nvSpPr>
-          <p:cNvPr id="3" name="Заголовок 4"/>
-          <p:cNvSpPr>
-            <a:spLocks noGrp="1"/>
-          </p:cNvSpPr>
-          <p:nvPr>
-            <p:ph type="title"/>
-          </p:nvPr>
-        </p:nvSpPr>
-        <p:spPr>
-          <a:xfrm>
-            <a:off x="0" y="260648"/>
-            <a:ext cx="12192000" cy="1008112"/>
-          </a:xfrm>
-        </p:spPr>
-        <p:txBody>
-          <a:bodyPr>
-            <a:normAutofit/>
-          </a:bodyPr>
-          <a:lstStyle/>
-          <a:p>
-            <a:r>
-              <a:rPr lang="ru-RU" sz="3600" b="1" dirty="0"/>
-              <a:t>Генератор номера карты</a:t>
-            </a:r>
-            <a:endParaRPr lang="uk-UA" sz="3600" b="1" dirty="0"/>
-          </a:p>
-        </p:txBody>
-      </p:sp>
-      <p:sp>
-        <p:nvSpPr>
-          <p:cNvPr id="6" name="Номер слайда 36"/>
-          <p:cNvSpPr txBox="1">
-            <a:spLocks/>
-          </p:cNvSpPr>
-          <p:nvPr/>
-        </p:nvSpPr>
-        <p:spPr>
-          <a:xfrm>
-            <a:off x="11208568" y="6190853"/>
-            <a:ext cx="648072" cy="432048"/>
-          </a:xfrm>
-          <a:prstGeom prst="roundRect">
-            <a:avLst/>
-          </a:prstGeom>
-          <a:ln w="25400" cap="flat" cmpd="sng" algn="ctr">
-            <a:solidFill>
-              <a:schemeClr val="tx2">
-                <a:lumMod val="60000"/>
-                <a:lumOff val="40000"/>
-              </a:schemeClr>
-            </a:solidFill>
-            <a:prstDash val="solid"/>
-          </a:ln>
-        </p:spPr>
-        <p:style>
-          <a:lnRef idx="2">
-            <a:schemeClr val="accent1"/>
-          </a:lnRef>
-          <a:fillRef idx="1">
-            <a:schemeClr val="lt1"/>
-          </a:fillRef>
-          <a:effectRef idx="0">
-            <a:schemeClr val="accent1"/>
-          </a:effectRef>
-          <a:fontRef idx="minor">
-            <a:schemeClr val="dk1"/>
-          </a:fontRef>
-        </p:style>
-        <p:txBody>
-          <a:bodyPr vert="horz" lIns="91440" tIns="45720" rIns="91440" bIns="45720" rtlCol="0" anchor="ctr"/>
-          <a:lstStyle/>
-          <a:p>
-            <a:pPr algn="ctr">
-              <a:defRPr/>
-            </a:pPr>
-            <a:fld id="{6389AA22-90B4-448C-8B6B-C699140D38B9}" type="slidenum">
-              <a:rPr lang="uk-UA" sz="2400" b="1">
-                <a:solidFill>
-                  <a:schemeClr val="bg1">
-                    <a:lumMod val="50000"/>
-                  </a:schemeClr>
-                </a:solidFill>
-              </a:rPr>
-              <a:pPr algn="ctr">
-                <a:defRPr/>
-              </a:pPr>
-              <a:t>34</a:t>
             </a:fld>
             <a:endParaRPr lang="uk-UA" sz="2400" b="1" dirty="0">
               <a:solidFill>
@@ -11984,6 +11778,83 @@
 </p:sld>
 </file>
 
+<file path=ppt/slides/slide34.xml><?xml version="1.0" encoding="utf-8"?>
+<p:sld xmlns:a="http://schemas.openxmlformats.org/drawingml/2006/main" xmlns:r="http://schemas.openxmlformats.org/officeDocument/2006/relationships" xmlns:p="http://schemas.openxmlformats.org/presentationml/2006/main">
+  <p:cSld>
+    <p:spTree>
+      <p:nvGrpSpPr>
+        <p:cNvPr id="1" name=""/>
+        <p:cNvGrpSpPr/>
+        <p:nvPr/>
+      </p:nvGrpSpPr>
+      <p:grpSpPr>
+        <a:xfrm>
+          <a:off x="0" y="0"/>
+          <a:ext cx="0" cy="0"/>
+          <a:chOff x="0" y="0"/>
+          <a:chExt cx="0" cy="0"/>
+        </a:xfrm>
+      </p:grpSpPr>
+      <p:sp>
+        <p:nvSpPr>
+          <p:cNvPr id="5" name="Прямоугольник 4"/>
+          <p:cNvSpPr/>
+          <p:nvPr/>
+        </p:nvSpPr>
+        <p:spPr>
+          <a:xfrm>
+            <a:off x="0" y="0"/>
+            <a:ext cx="12192000" cy="6858000"/>
+          </a:xfrm>
+          <a:prstGeom prst="rect">
+            <a:avLst/>
+          </a:prstGeom>
+          <a:solidFill>
+            <a:srgbClr val="002060"/>
+          </a:solidFill>
+        </p:spPr>
+        <p:style>
+          <a:lnRef idx="2">
+            <a:schemeClr val="accent1">
+              <a:shade val="50000"/>
+            </a:schemeClr>
+          </a:lnRef>
+          <a:fillRef idx="1">
+            <a:schemeClr val="accent1"/>
+          </a:fillRef>
+          <a:effectRef idx="0">
+            <a:schemeClr val="accent1"/>
+          </a:effectRef>
+          <a:fontRef idx="minor">
+            <a:schemeClr val="lt1"/>
+          </a:fontRef>
+        </p:style>
+        <p:txBody>
+          <a:bodyPr rtlCol="0" anchor="ctr"/>
+          <a:lstStyle/>
+          <a:p>
+            <a:pPr algn="ctr"/>
+            <a:r>
+              <a:rPr lang="ru-RU" sz="6000" b="1" dirty="0"/>
+              <a:t>Будет полезным</a:t>
+            </a:r>
+            <a:endParaRPr lang="uk-UA" sz="6000" b="1" dirty="0"/>
+          </a:p>
+        </p:txBody>
+      </p:sp>
+    </p:spTree>
+    <p:extLst>
+      <p:ext uri="{BB962C8B-B14F-4D97-AF65-F5344CB8AC3E}">
+        <p14:creationId xmlns:p14="http://schemas.microsoft.com/office/powerpoint/2010/main" val="1158722151"/>
+      </p:ext>
+    </p:extLst>
+  </p:cSld>
+  <p:clrMapOvr>
+    <a:masterClrMapping/>
+  </p:clrMapOvr>
+</p:sld>
+</file>
+
 <file path=ppt/slides/slide35.xml><?xml version="1.0" encoding="utf-8"?>
 <p:sld xmlns:a="http://schemas.openxmlformats.org/drawingml/2006/main" xmlns:r="http://schemas.openxmlformats.org/officeDocument/2006/relationships" xmlns:p="http://schemas.openxmlformats.org/presentationml/2006/main">
   <p:cSld>
@@ -12009,53 +11880,109 @@
         </p:nvSpPr>
         <p:spPr>
           <a:xfrm>
-            <a:off x="0" y="0"/>
-            <a:ext cx="12192000" cy="6858000"/>
+            <a:off x="0" y="5847655"/>
+            <a:ext cx="12192000" cy="461665"/>
           </a:xfrm>
           <a:prstGeom prst="rect">
             <a:avLst/>
           </a:prstGeom>
-          <a:solidFill>
-            <a:srgbClr val="002060"/>
-          </a:solidFill>
-        </p:spPr>
-        <p:style>
-          <a:lnRef idx="2">
-            <a:schemeClr val="accent1">
-              <a:shade val="50000"/>
-            </a:schemeClr>
-          </a:lnRef>
-          <a:fillRef idx="1">
-            <a:schemeClr val="accent1"/>
-          </a:fillRef>
-          <a:effectRef idx="0">
-            <a:schemeClr val="accent1"/>
-          </a:effectRef>
-          <a:fontRef idx="minor">
-            <a:schemeClr val="lt1"/>
-          </a:fontRef>
-        </p:style>
-        <p:txBody>
-          <a:bodyPr rtlCol="0" anchor="ctr"/>
+        </p:spPr>
+        <p:txBody>
+          <a:bodyPr wrap="square">
+            <a:spAutoFit/>
+          </a:bodyPr>
           <a:lstStyle/>
           <a:p>
             <a:pPr algn="ctr"/>
             <a:r>
-              <a:rPr lang="ru-RU" sz="6000" b="1" dirty="0"/>
-              <a:t>10. Немного практики</a:t>
-            </a:r>
-            <a:r>
-              <a:rPr lang="en-US" sz="6000" b="1" dirty="0"/>
-              <a:t> #2</a:t>
-            </a:r>
-            <a:endParaRPr lang="uk-UA" sz="6000" b="1" dirty="0"/>
+              <a:rPr lang="en-US" sz="2400" b="1" dirty="0">
+                <a:hlinkClick r:id="rId2"/>
+              </a:rPr>
+              <a:t>https://habr.com/ru/company/vk/blog/438286/</a:t>
+            </a:r>
+            <a:endParaRPr lang="ru-RU" dirty="0"/>
+          </a:p>
+        </p:txBody>
+      </p:sp>
+      <p:pic>
+        <p:nvPicPr>
+          <p:cNvPr id="1026" name="Picture 2" descr="https://habrastorage.org/getpro/habr/post_images/540/5d5/588/5405d55887909032bc8016afe3f65796.jpg"/>
+          <p:cNvPicPr>
+            <a:picLocks noChangeAspect="1" noChangeArrowheads="1"/>
+          </p:cNvPicPr>
+          <p:nvPr/>
+        </p:nvPicPr>
+        <p:blipFill>
+          <a:blip r:embed="rId3">
+            <a:extLst>
+              <a:ext uri="{28A0092B-C50C-407E-A947-70E740481C1C}">
+                <a14:useLocalDpi xmlns:a14="http://schemas.microsoft.com/office/drawing/2010/main" val="0"/>
+              </a:ext>
+            </a:extLst>
+          </a:blip>
+          <a:srcRect/>
+          <a:stretch>
+            <a:fillRect/>
+          </a:stretch>
+        </p:blipFill>
+        <p:spPr bwMode="auto">
+          <a:xfrm>
+            <a:off x="2696271" y="1502247"/>
+            <a:ext cx="6799457" cy="4159001"/>
+          </a:xfrm>
+          <a:prstGeom prst="rect">
+            <a:avLst/>
+          </a:prstGeom>
+          <a:noFill/>
+          <a:extLst>
+            <a:ext uri="{909E8E84-426E-40DD-AFC4-6F175D3DCCD1}">
+              <a14:hiddenFill xmlns:a14="http://schemas.microsoft.com/office/drawing/2010/main">
+                <a:solidFill>
+                  <a:srgbClr val="FFFFFF"/>
+                </a:solidFill>
+              </a14:hiddenFill>
+            </a:ext>
+          </a:extLst>
+        </p:spPr>
+      </p:pic>
+      <p:sp>
+        <p:nvSpPr>
+          <p:cNvPr id="3" name="Прямоугольник 2"/>
+          <p:cNvSpPr/>
+          <p:nvPr/>
+        </p:nvSpPr>
+        <p:spPr>
+          <a:xfrm>
+            <a:off x="0" y="467961"/>
+            <a:ext cx="12192000" cy="707886"/>
+          </a:xfrm>
+          <a:prstGeom prst="rect">
+            <a:avLst/>
+          </a:prstGeom>
+        </p:spPr>
+        <p:txBody>
+          <a:bodyPr wrap="square">
+            <a:spAutoFit/>
+          </a:bodyPr>
+          <a:lstStyle/>
+          <a:p>
+            <a:pPr algn="ctr"/>
+            <a:r>
+              <a:rPr lang="ru-RU" sz="4000" b="1" dirty="0"/>
+              <a:t>Работа с часовыми поясами в </a:t>
+            </a:r>
+            <a:r>
+              <a:rPr lang="ru-RU" sz="4000" b="1" dirty="0" err="1"/>
+              <a:t>JavaScript</a:t>
+            </a:r>
+            <a:endParaRPr lang="ru-RU" sz="4000" b="1" dirty="0"/>
           </a:p>
         </p:txBody>
       </p:sp>
     </p:spTree>
     <p:extLst>
       <p:ext uri="{BB962C8B-B14F-4D97-AF65-F5344CB8AC3E}">
-        <p14:creationId xmlns:p14="http://schemas.microsoft.com/office/powerpoint/2010/main" val="417739081"/>
+        <p14:creationId xmlns:p14="http://schemas.microsoft.com/office/powerpoint/2010/main" val="747592639"/>
       </p:ext>
     </p:extLst>
   </p:cSld>
@@ -12084,236 +12011,21 @@
       </p:grpSpPr>
       <p:sp>
         <p:nvSpPr>
-          <p:cNvPr id="8" name="Номер слайда 36"/>
-          <p:cNvSpPr txBox="1">
-            <a:spLocks/>
-          </p:cNvSpPr>
+          <p:cNvPr id="5" name="Прямоугольник 4"/>
+          <p:cNvSpPr/>
           <p:nvPr/>
         </p:nvSpPr>
         <p:spPr>
           <a:xfrm>
-            <a:off x="11208568" y="6093296"/>
-            <a:ext cx="648072" cy="432048"/>
-          </a:xfrm>
-          <a:prstGeom prst="roundRect">
-            <a:avLst/>
-          </a:prstGeom>
-          <a:ln w="25400" cap="flat" cmpd="sng" algn="ctr">
-            <a:solidFill>
-              <a:schemeClr val="tx2">
-                <a:lumMod val="60000"/>
-                <a:lumOff val="40000"/>
-              </a:schemeClr>
-            </a:solidFill>
-            <a:prstDash val="solid"/>
-          </a:ln>
-        </p:spPr>
-        <p:style>
-          <a:lnRef idx="2">
-            <a:schemeClr val="accent1"/>
-          </a:lnRef>
-          <a:fillRef idx="1">
-            <a:schemeClr val="lt1"/>
-          </a:fillRef>
-          <a:effectRef idx="0">
-            <a:schemeClr val="accent1"/>
-          </a:effectRef>
-          <a:fontRef idx="minor">
-            <a:schemeClr val="dk1"/>
-          </a:fontRef>
-        </p:style>
-        <p:txBody>
-          <a:bodyPr vert="horz" lIns="91440" tIns="45720" rIns="91440" bIns="45720" rtlCol="0" anchor="ctr"/>
-          <a:lstStyle/>
-          <a:p>
-            <a:pPr algn="ctr">
-              <a:defRPr/>
-            </a:pPr>
-            <a:fld id="{6389AA22-90B4-448C-8B6B-C699140D38B9}" type="slidenum">
-              <a:rPr lang="uk-UA" sz="2400" b="1">
-                <a:solidFill>
-                  <a:schemeClr val="bg1">
-                    <a:lumMod val="50000"/>
-                  </a:schemeClr>
-                </a:solidFill>
-              </a:rPr>
-              <a:pPr algn="ctr">
-                <a:defRPr/>
-              </a:pPr>
-              <a:t>36</a:t>
-            </a:fld>
-            <a:endParaRPr lang="uk-UA" sz="2400" b="1" dirty="0">
-              <a:solidFill>
-                <a:schemeClr val="bg1">
-                  <a:lumMod val="50000"/>
-                </a:schemeClr>
-              </a:solidFill>
-            </a:endParaRPr>
-          </a:p>
-        </p:txBody>
-      </p:sp>
-      <p:sp>
-        <p:nvSpPr>
-          <p:cNvPr id="10" name="TextBox 9"/>
-          <p:cNvSpPr txBox="1"/>
-          <p:nvPr/>
-        </p:nvSpPr>
-        <p:spPr>
-          <a:xfrm>
-            <a:off x="1059426" y="4449888"/>
-            <a:ext cx="9645086" cy="1938992"/>
+            <a:off x="0" y="0"/>
+            <a:ext cx="12192000" cy="6858000"/>
           </a:xfrm>
           <a:prstGeom prst="rect">
             <a:avLst/>
           </a:prstGeom>
-          <a:noFill/>
-        </p:spPr>
-        <p:txBody>
-          <a:bodyPr wrap="square" rtlCol="0">
-            <a:spAutoFit/>
-          </a:bodyPr>
-          <a:lstStyle/>
-          <a:p>
-            <a:r>
-              <a:rPr lang="ru-RU" sz="2000" b="1" dirty="0"/>
-              <a:t>Задача: </a:t>
-            </a:r>
-            <a:r>
-              <a:rPr lang="ru-RU" sz="2000" dirty="0"/>
-              <a:t>в массиве содержаться данные о ежедневной цене Биткоина (</a:t>
-            </a:r>
-            <a:r>
-              <a:rPr lang="ru-RU" sz="2000" b="1" dirty="0"/>
-              <a:t>длина массива и его содержимое может меняться</a:t>
-            </a:r>
-            <a:r>
-              <a:rPr lang="ru-RU" sz="2000" dirty="0"/>
-              <a:t>), за какое-то количество дней. Скрипт должен </a:t>
-            </a:r>
-            <a:r>
-              <a:rPr lang="ru-RU" sz="2000" b="1" dirty="0">
-                <a:solidFill>
-                  <a:srgbClr val="00B050"/>
-                </a:solidFill>
-              </a:rPr>
-              <a:t>рассчитать какую максимальную прибыль </a:t>
-            </a:r>
-            <a:r>
-              <a:rPr lang="ru-RU" sz="2000" dirty="0"/>
-              <a:t>(и сообщить её пользователю) можно получить если сначала купить </a:t>
-            </a:r>
-            <a:r>
-              <a:rPr lang="en-US" sz="2000" dirty="0"/>
-              <a:t>“</a:t>
-            </a:r>
-            <a:r>
-              <a:rPr lang="ru-RU" sz="2000" dirty="0"/>
-              <a:t>биткоин</a:t>
-            </a:r>
-            <a:r>
-              <a:rPr lang="en-US" sz="2000" dirty="0"/>
-              <a:t>”</a:t>
-            </a:r>
-            <a:r>
-              <a:rPr lang="ru-RU" sz="2000" dirty="0"/>
-              <a:t>, а затем продать его (именно в такой последовательности, продать раньше чем купить нельзя). Можно совершить только одну покупку и одну продажу.</a:t>
-            </a:r>
-          </a:p>
-        </p:txBody>
-      </p:sp>
-      <p:sp>
-        <p:nvSpPr>
-          <p:cNvPr id="2" name="TextBox 1"/>
-          <p:cNvSpPr txBox="1"/>
-          <p:nvPr/>
-        </p:nvSpPr>
-        <p:spPr>
-          <a:xfrm>
-            <a:off x="2567608" y="2555613"/>
-            <a:ext cx="7064755" cy="646331"/>
-          </a:xfrm>
-          <a:prstGeom prst="rect">
-            <a:avLst/>
-          </a:prstGeom>
-          <a:noFill/>
-        </p:spPr>
-        <p:txBody>
-          <a:bodyPr wrap="none" rtlCol="0">
-            <a:spAutoFit/>
-          </a:bodyPr>
-          <a:lstStyle/>
-          <a:p>
-            <a:r>
-              <a:rPr lang="en-US" sz="3600" dirty="0"/>
-              <a:t>[</a:t>
-            </a:r>
-            <a:r>
-              <a:rPr lang="ru-RU" sz="3600" dirty="0"/>
-              <a:t>10, 1</a:t>
-            </a:r>
-            <a:r>
-              <a:rPr lang="en-US" sz="3600" dirty="0"/>
-              <a:t>8, </a:t>
-            </a:r>
-            <a:r>
-              <a:rPr lang="ru-RU" sz="3600" dirty="0"/>
-              <a:t>33</a:t>
-            </a:r>
-            <a:r>
-              <a:rPr lang="en-US" sz="3600" dirty="0"/>
-              <a:t>, 7,</a:t>
-            </a:r>
-            <a:r>
-              <a:rPr lang="ru-RU" sz="3600" dirty="0"/>
-              <a:t> 31, </a:t>
-            </a:r>
-            <a:r>
-              <a:rPr lang="ru-RU" sz="3600" b="1" dirty="0">
-                <a:solidFill>
-                  <a:srgbClr val="0070C0"/>
-                </a:solidFill>
-              </a:rPr>
-              <a:t>3</a:t>
-            </a:r>
-            <a:r>
-              <a:rPr lang="ru-RU" sz="3600" dirty="0"/>
-              <a:t>, 8, 22, </a:t>
-            </a:r>
-            <a:r>
-              <a:rPr lang="ru-RU" sz="3600" b="1" dirty="0">
-                <a:solidFill>
-                  <a:srgbClr val="00B050"/>
-                </a:solidFill>
-              </a:rPr>
-              <a:t>29</a:t>
-            </a:r>
-            <a:r>
-              <a:rPr lang="ru-RU" sz="3600" dirty="0"/>
-              <a:t>, 7, 8 …</a:t>
-            </a:r>
-            <a:r>
-              <a:rPr lang="en-US" sz="3600" dirty="0"/>
-              <a:t>]</a:t>
-            </a:r>
-            <a:endParaRPr lang="uk-UA" sz="3600" dirty="0"/>
-          </a:p>
-        </p:txBody>
-      </p:sp>
-      <p:sp>
-        <p:nvSpPr>
-          <p:cNvPr id="3" name="Стрелка вниз 2"/>
-          <p:cNvSpPr/>
-          <p:nvPr/>
-        </p:nvSpPr>
-        <p:spPr>
-          <a:xfrm>
-            <a:off x="5847958" y="2069303"/>
-            <a:ext cx="432048" cy="484569"/>
-          </a:xfrm>
-          <a:prstGeom prst="downArrow">
-            <a:avLst/>
-          </a:prstGeom>
-          <a:noFill/>
+          <a:solidFill>
+            <a:srgbClr val="002060"/>
+          </a:solidFill>
         </p:spPr>
         <p:style>
           <a:lnRef idx="2">
@@ -12336,232 +12048,18 @@
           <a:lstStyle/>
           <a:p>
             <a:pPr algn="ctr"/>
-            <a:endParaRPr lang="uk-UA"/>
-          </a:p>
-        </p:txBody>
-      </p:sp>
-      <p:sp>
-        <p:nvSpPr>
-          <p:cNvPr id="4" name="TextBox 3"/>
-          <p:cNvSpPr txBox="1"/>
-          <p:nvPr/>
-        </p:nvSpPr>
-        <p:spPr>
-          <a:xfrm>
-            <a:off x="5482605" y="1608475"/>
-            <a:ext cx="1162754" cy="369332"/>
-          </a:xfrm>
-          <a:prstGeom prst="rect">
-            <a:avLst/>
-          </a:prstGeom>
-          <a:solidFill>
-            <a:schemeClr val="accent5">
-              <a:lumMod val="20000"/>
-              <a:lumOff val="80000"/>
-            </a:schemeClr>
-          </a:solidFill>
-          <a:ln>
-            <a:solidFill>
-              <a:schemeClr val="tx1"/>
-            </a:solidFill>
-            <a:prstDash val="sysDot"/>
-          </a:ln>
-        </p:spPr>
-        <p:txBody>
-          <a:bodyPr wrap="none" rtlCol="0">
-            <a:spAutoFit/>
-          </a:bodyPr>
-          <a:lstStyle/>
-          <a:p>
-            <a:r>
-              <a:rPr lang="ru-RU" dirty="0"/>
-              <a:t>Покупаем</a:t>
-            </a:r>
-            <a:endParaRPr lang="uk-UA" dirty="0"/>
-          </a:p>
-        </p:txBody>
-      </p:sp>
-      <p:sp>
-        <p:nvSpPr>
-          <p:cNvPr id="12" name="Стрелка вниз 11"/>
-          <p:cNvSpPr/>
-          <p:nvPr/>
-        </p:nvSpPr>
-        <p:spPr>
-          <a:xfrm rot="10800000">
-            <a:off x="7576150" y="3201944"/>
-            <a:ext cx="432048" cy="484569"/>
-          </a:xfrm>
-          <a:prstGeom prst="downArrow">
-            <a:avLst/>
-          </a:prstGeom>
-          <a:noFill/>
-          <a:ln>
-            <a:solidFill>
-              <a:srgbClr val="00B050"/>
-            </a:solidFill>
-          </a:ln>
-        </p:spPr>
-        <p:style>
-          <a:lnRef idx="2">
-            <a:schemeClr val="accent1">
-              <a:shade val="50000"/>
-            </a:schemeClr>
-          </a:lnRef>
-          <a:fillRef idx="1">
-            <a:schemeClr val="accent1"/>
-          </a:fillRef>
-          <a:effectRef idx="0">
-            <a:schemeClr val="accent1"/>
-          </a:effectRef>
-          <a:fontRef idx="minor">
-            <a:schemeClr val="lt1"/>
-          </a:fontRef>
-        </p:style>
-        <p:txBody>
-          <a:bodyPr rtlCol="0" anchor="ctr"/>
-          <a:lstStyle/>
-          <a:p>
-            <a:pPr algn="ctr"/>
-            <a:endParaRPr lang="uk-UA"/>
-          </a:p>
-        </p:txBody>
-      </p:sp>
-      <p:sp>
-        <p:nvSpPr>
-          <p:cNvPr id="13" name="TextBox 12"/>
-          <p:cNvSpPr txBox="1"/>
-          <p:nvPr/>
-        </p:nvSpPr>
-        <p:spPr>
-          <a:xfrm>
-            <a:off x="7254879" y="3779748"/>
-            <a:ext cx="1074590" cy="369332"/>
-          </a:xfrm>
-          <a:prstGeom prst="rect">
-            <a:avLst/>
-          </a:prstGeom>
-          <a:solidFill>
-            <a:schemeClr val="accent3">
-              <a:lumMod val="20000"/>
-              <a:lumOff val="80000"/>
-            </a:schemeClr>
-          </a:solidFill>
-          <a:ln>
-            <a:solidFill>
-              <a:schemeClr val="tx1"/>
-            </a:solidFill>
-            <a:prstDash val="sysDot"/>
-          </a:ln>
-        </p:spPr>
-        <p:txBody>
-          <a:bodyPr wrap="none" rtlCol="0">
-            <a:spAutoFit/>
-          </a:bodyPr>
-          <a:lstStyle/>
-          <a:p>
-            <a:r>
-              <a:rPr lang="ru-RU" dirty="0"/>
-              <a:t>Продаём</a:t>
-            </a:r>
-            <a:endParaRPr lang="uk-UA" dirty="0"/>
-          </a:p>
-        </p:txBody>
-      </p:sp>
-      <p:sp>
-        <p:nvSpPr>
-          <p:cNvPr id="6" name="TextBox 5"/>
-          <p:cNvSpPr txBox="1"/>
-          <p:nvPr/>
-        </p:nvSpPr>
-        <p:spPr>
-          <a:xfrm>
-            <a:off x="2621404" y="3584050"/>
-            <a:ext cx="2101857" cy="461665"/>
-          </a:xfrm>
-          <a:prstGeom prst="rect">
-            <a:avLst/>
-          </a:prstGeom>
-          <a:noFill/>
-        </p:spPr>
-        <p:txBody>
-          <a:bodyPr wrap="none" rtlCol="0">
-            <a:spAutoFit/>
-          </a:bodyPr>
-          <a:lstStyle/>
-          <a:p>
-            <a:r>
-              <a:rPr lang="ru-RU" sz="2400" b="1" dirty="0"/>
-              <a:t>Прибыль: 26</a:t>
-            </a:r>
-            <a:r>
-              <a:rPr lang="en-US" sz="2400" b="1" dirty="0"/>
-              <a:t>$</a:t>
-            </a:r>
-            <a:endParaRPr lang="uk-UA" sz="2400" b="1" dirty="0"/>
-          </a:p>
-        </p:txBody>
-      </p:sp>
-      <p:sp>
-        <p:nvSpPr>
-          <p:cNvPr id="11" name="TextBox 10"/>
-          <p:cNvSpPr txBox="1"/>
-          <p:nvPr/>
-        </p:nvSpPr>
-        <p:spPr>
-          <a:xfrm>
-            <a:off x="0" y="476672"/>
-            <a:ext cx="12191999" cy="830997"/>
-          </a:xfrm>
-          <a:prstGeom prst="rect">
-            <a:avLst/>
-          </a:prstGeom>
-          <a:noFill/>
-        </p:spPr>
-        <p:txBody>
-          <a:bodyPr wrap="square" rtlCol="0">
-            <a:spAutoFit/>
-          </a:bodyPr>
-          <a:lstStyle/>
-          <a:p>
-            <a:pPr algn="ctr"/>
-            <a:r>
-              <a:rPr lang="ru-RU" sz="4800" b="1" dirty="0">
-                <a:solidFill>
-                  <a:schemeClr val="tx1">
-                    <a:lumMod val="95000"/>
-                    <a:lumOff val="5000"/>
-                  </a:schemeClr>
-                </a:solidFill>
-              </a:rPr>
-              <a:t>Цена </a:t>
-            </a:r>
-            <a:r>
-              <a:rPr lang="en-US" sz="4800" b="1" dirty="0">
-                <a:solidFill>
-                  <a:schemeClr val="tx1">
-                    <a:lumMod val="95000"/>
-                    <a:lumOff val="5000"/>
-                  </a:schemeClr>
-                </a:solidFill>
-              </a:rPr>
-              <a:t>Bitcoin</a:t>
-            </a:r>
-            <a:endParaRPr lang="ru-RU" sz="4800" b="1" dirty="0">
-              <a:solidFill>
-                <a:schemeClr val="tx1">
-                  <a:lumMod val="95000"/>
-                  <a:lumOff val="5000"/>
-                </a:schemeClr>
-              </a:solidFill>
-            </a:endParaRPr>
+            <a:r>
+              <a:rPr lang="ru-RU" sz="6000" b="1" dirty="0"/>
+              <a:t>На следующем занятии</a:t>
+            </a:r>
+            <a:endParaRPr lang="uk-UA" sz="6000" b="1" dirty="0"/>
           </a:p>
         </p:txBody>
       </p:sp>
     </p:spTree>
     <p:extLst>
       <p:ext uri="{BB962C8B-B14F-4D97-AF65-F5344CB8AC3E}">
-        <p14:creationId xmlns:p14="http://schemas.microsoft.com/office/powerpoint/2010/main" val="3522936592"/>
+        <p14:creationId xmlns:p14="http://schemas.microsoft.com/office/powerpoint/2010/main" val="4058259034"/>
       </p:ext>
     </p:extLst>
   </p:cSld>
@@ -12590,55 +12088,107 @@
       </p:grpSpPr>
       <p:sp>
         <p:nvSpPr>
-          <p:cNvPr id="5" name="Прямоугольник 4"/>
-          <p:cNvSpPr/>
+          <p:cNvPr id="3" name="TextBox 2"/>
+          <p:cNvSpPr txBox="1"/>
           <p:nvPr/>
         </p:nvSpPr>
         <p:spPr>
           <a:xfrm>
-            <a:off x="0" y="0"/>
-            <a:ext cx="12192000" cy="6858000"/>
+            <a:off x="-1" y="2924944"/>
+            <a:ext cx="12192001" cy="1754326"/>
           </a:xfrm>
           <a:prstGeom prst="rect">
             <a:avLst/>
           </a:prstGeom>
-          <a:solidFill>
-            <a:srgbClr val="002060"/>
-          </a:solidFill>
-        </p:spPr>
-        <p:style>
-          <a:lnRef idx="2">
-            <a:schemeClr val="accent1">
-              <a:shade val="50000"/>
-            </a:schemeClr>
-          </a:lnRef>
-          <a:fillRef idx="1">
-            <a:schemeClr val="accent1"/>
-          </a:fillRef>
-          <a:effectRef idx="0">
-            <a:schemeClr val="accent1"/>
-          </a:effectRef>
-          <a:fontRef idx="minor">
-            <a:schemeClr val="lt1"/>
-          </a:fontRef>
-        </p:style>
-        <p:txBody>
-          <a:bodyPr rtlCol="0" anchor="ctr"/>
+          <a:noFill/>
+        </p:spPr>
+        <p:txBody>
+          <a:bodyPr wrap="square" rtlCol="0">
+            <a:spAutoFit/>
+          </a:bodyPr>
           <a:lstStyle/>
           <a:p>
             <a:pPr algn="ctr"/>
             <a:r>
-              <a:rPr lang="ru-RU" sz="6000" b="1" dirty="0"/>
-              <a:t>Будет полезным</a:t>
-            </a:r>
-            <a:endParaRPr lang="uk-UA" sz="6000" b="1" dirty="0"/>
+              <a:rPr lang="ru-RU" sz="5400" b="1" dirty="0"/>
+              <a:t>Работа с </a:t>
+            </a:r>
+            <a:r>
+              <a:rPr lang="en-US" sz="5400" b="1" dirty="0">
+                <a:solidFill>
+                  <a:srgbClr val="00B050"/>
+                </a:solidFill>
+              </a:rPr>
+              <a:t>DOM</a:t>
+            </a:r>
+            <a:r>
+              <a:rPr lang="en-US" sz="5400" b="1" dirty="0"/>
+              <a:t> </a:t>
+            </a:r>
+            <a:endParaRPr lang="ru-RU" sz="5400" b="1" dirty="0"/>
+          </a:p>
+          <a:p>
+            <a:pPr algn="ctr"/>
+            <a:r>
+              <a:rPr lang="en-US" sz="5400" dirty="0"/>
+              <a:t>(</a:t>
+            </a:r>
+            <a:r>
+              <a:rPr lang="ru-RU" sz="5400" b="1" dirty="0">
+                <a:solidFill>
+                  <a:schemeClr val="accent6">
+                    <a:lumMod val="75000"/>
+                  </a:schemeClr>
+                </a:solidFill>
+              </a:rPr>
+              <a:t>работа с разметкой документа</a:t>
+            </a:r>
+            <a:r>
+              <a:rPr lang="en-US" sz="5400" dirty="0"/>
+              <a:t>)</a:t>
+            </a:r>
+            <a:endParaRPr lang="ru-RU" sz="5400" b="1" dirty="0">
+              <a:solidFill>
+                <a:srgbClr val="00B050"/>
+              </a:solidFill>
+            </a:endParaRPr>
+          </a:p>
+        </p:txBody>
+      </p:sp>
+      <p:sp>
+        <p:nvSpPr>
+          <p:cNvPr id="5" name="TextBox 4"/>
+          <p:cNvSpPr txBox="1"/>
+          <p:nvPr/>
+        </p:nvSpPr>
+        <p:spPr>
+          <a:xfrm>
+            <a:off x="-1" y="1052736"/>
+            <a:ext cx="12192001" cy="769441"/>
+          </a:xfrm>
+          <a:prstGeom prst="rect">
+            <a:avLst/>
+          </a:prstGeom>
+          <a:noFill/>
+        </p:spPr>
+        <p:txBody>
+          <a:bodyPr wrap="square" rtlCol="0">
+            <a:spAutoFit/>
+          </a:bodyPr>
+          <a:lstStyle/>
+          <a:p>
+            <a:pPr algn="ctr"/>
+            <a:r>
+              <a:rPr lang="ru-RU" sz="4400" b="1" dirty="0"/>
+              <a:t>На следующем занятии</a:t>
+            </a:r>
           </a:p>
         </p:txBody>
       </p:sp>
     </p:spTree>
     <p:extLst>
       <p:ext uri="{BB962C8B-B14F-4D97-AF65-F5344CB8AC3E}">
-        <p14:creationId xmlns:p14="http://schemas.microsoft.com/office/powerpoint/2010/main" val="1158722151"/>
+        <p14:creationId xmlns:p14="http://schemas.microsoft.com/office/powerpoint/2010/main" val="1460045381"/>
       </p:ext>
     </p:extLst>
   </p:cSld>
@@ -12673,109 +12223,60 @@
         </p:nvSpPr>
         <p:spPr>
           <a:xfrm>
-            <a:off x="0" y="5847655"/>
-            <a:ext cx="12192000" cy="461665"/>
+            <a:off x="0" y="0"/>
+            <a:ext cx="12192000" cy="6858000"/>
           </a:xfrm>
           <a:prstGeom prst="rect">
             <a:avLst/>
           </a:prstGeom>
-        </p:spPr>
-        <p:txBody>
-          <a:bodyPr wrap="square">
-            <a:spAutoFit/>
-          </a:bodyPr>
+          <a:solidFill>
+            <a:srgbClr val="002060"/>
+          </a:solidFill>
+        </p:spPr>
+        <p:style>
+          <a:lnRef idx="2">
+            <a:schemeClr val="accent1">
+              <a:shade val="50000"/>
+            </a:schemeClr>
+          </a:lnRef>
+          <a:fillRef idx="1">
+            <a:schemeClr val="accent1"/>
+          </a:fillRef>
+          <a:effectRef idx="0">
+            <a:schemeClr val="accent1"/>
+          </a:effectRef>
+          <a:fontRef idx="minor">
+            <a:schemeClr val="lt1"/>
+          </a:fontRef>
+        </p:style>
+        <p:txBody>
+          <a:bodyPr rtlCol="0" anchor="ctr"/>
           <a:lstStyle/>
           <a:p>
             <a:pPr algn="ctr"/>
             <a:r>
-              <a:rPr lang="en-US" sz="2400" b="1" dirty="0">
-                <a:hlinkClick r:id="rId2"/>
+              <a:rPr lang="ru-RU" sz="6000" b="1" dirty="0">
+                <a:solidFill>
+                  <a:srgbClr val="FFC000"/>
+                </a:solidFill>
               </a:rPr>
-              <a:t>https://habr.com/ru/company/vk/blog/438286/</a:t>
-            </a:r>
-            <a:endParaRPr lang="ru-RU" dirty="0"/>
-          </a:p>
-        </p:txBody>
-      </p:sp>
-      <p:pic>
-        <p:nvPicPr>
-          <p:cNvPr id="1026" name="Picture 2" descr="https://habrastorage.org/getpro/habr/post_images/540/5d5/588/5405d55887909032bc8016afe3f65796.jpg"/>
-          <p:cNvPicPr>
-            <a:picLocks noChangeAspect="1" noChangeArrowheads="1"/>
-          </p:cNvPicPr>
-          <p:nvPr/>
-        </p:nvPicPr>
-        <p:blipFill>
-          <a:blip r:embed="rId3">
-            <a:extLst>
-              <a:ext uri="{28A0092B-C50C-407E-A947-70E740481C1C}">
-                <a14:useLocalDpi xmlns:a14="http://schemas.microsoft.com/office/drawing/2010/main" val="0"/>
-              </a:ext>
-            </a:extLst>
-          </a:blip>
-          <a:srcRect/>
-          <a:stretch>
-            <a:fillRect/>
-          </a:stretch>
-        </p:blipFill>
-        <p:spPr bwMode="auto">
-          <a:xfrm>
-            <a:off x="2696271" y="1502247"/>
-            <a:ext cx="6799457" cy="4159001"/>
-          </a:xfrm>
-          <a:prstGeom prst="rect">
-            <a:avLst/>
-          </a:prstGeom>
-          <a:noFill/>
-          <a:extLst>
-            <a:ext uri="{909E8E84-426E-40DD-AFC4-6F175D3DCCD1}">
-              <a14:hiddenFill xmlns:a14="http://schemas.microsoft.com/office/drawing/2010/main">
-                <a:solidFill>
-                  <a:srgbClr val="FFFFFF"/>
-                </a:solidFill>
-              </a14:hiddenFill>
-            </a:ext>
-          </a:extLst>
-        </p:spPr>
-      </p:pic>
-      <p:sp>
-        <p:nvSpPr>
-          <p:cNvPr id="3" name="Прямоугольник 2"/>
-          <p:cNvSpPr/>
-          <p:nvPr/>
-        </p:nvSpPr>
-        <p:spPr>
-          <a:xfrm>
-            <a:off x="0" y="467961"/>
-            <a:ext cx="12192000" cy="707886"/>
-          </a:xfrm>
-          <a:prstGeom prst="rect">
-            <a:avLst/>
-          </a:prstGeom>
-        </p:spPr>
-        <p:txBody>
-          <a:bodyPr wrap="square">
-            <a:spAutoFit/>
-          </a:bodyPr>
-          <a:lstStyle/>
+              <a:t>Домашнее задание </a:t>
+            </a:r>
+          </a:p>
           <a:p>
             <a:pPr algn="ctr"/>
             <a:r>
-              <a:rPr lang="ru-RU" sz="4000" b="1" dirty="0"/>
-              <a:t>Работа с часовыми поясами в </a:t>
-            </a:r>
-            <a:r>
-              <a:rPr lang="ru-RU" sz="4000" b="1" dirty="0" err="1"/>
-              <a:t>JavaScript</a:t>
-            </a:r>
-            <a:endParaRPr lang="ru-RU" sz="4000" b="1" dirty="0"/>
+              <a:rPr lang="ru-RU" sz="6000" b="1" dirty="0"/>
+              <a:t>/сделать</a:t>
+            </a:r>
+            <a:endParaRPr lang="uk-UA" sz="6000" b="1" dirty="0"/>
           </a:p>
         </p:txBody>
       </p:sp>
     </p:spTree>
     <p:extLst>
       <p:ext uri="{BB962C8B-B14F-4D97-AF65-F5344CB8AC3E}">
-        <p14:creationId xmlns:p14="http://schemas.microsoft.com/office/powerpoint/2010/main" val="747592639"/>
+        <p14:creationId xmlns:p14="http://schemas.microsoft.com/office/powerpoint/2010/main" val="812048618"/>
       </p:ext>
     </p:extLst>
   </p:cSld>
@@ -12804,55 +12305,371 @@
       </p:grpSpPr>
       <p:sp>
         <p:nvSpPr>
-          <p:cNvPr id="5" name="Прямоугольник 4"/>
-          <p:cNvSpPr/>
+          <p:cNvPr id="20" name="Номер слайда 36"/>
+          <p:cNvSpPr txBox="1">
+            <a:spLocks/>
+          </p:cNvSpPr>
           <p:nvPr/>
         </p:nvSpPr>
         <p:spPr>
           <a:xfrm>
-            <a:off x="0" y="0"/>
-            <a:ext cx="12192000" cy="6858000"/>
-          </a:xfrm>
-          <a:prstGeom prst="rect">
+            <a:off x="11172564" y="6164170"/>
+            <a:ext cx="648072" cy="432048"/>
+          </a:xfrm>
+          <a:prstGeom prst="roundRect">
             <a:avLst/>
           </a:prstGeom>
-          <a:solidFill>
-            <a:srgbClr val="002060"/>
-          </a:solidFill>
+          <a:ln w="25400" cap="flat" cmpd="sng" algn="ctr">
+            <a:solidFill>
+              <a:schemeClr val="tx2">
+                <a:lumMod val="60000"/>
+                <a:lumOff val="40000"/>
+              </a:schemeClr>
+            </a:solidFill>
+            <a:prstDash val="solid"/>
+          </a:ln>
         </p:spPr>
         <p:style>
           <a:lnRef idx="2">
-            <a:schemeClr val="accent1">
-              <a:shade val="50000"/>
-            </a:schemeClr>
+            <a:schemeClr val="accent1"/>
           </a:lnRef>
           <a:fillRef idx="1">
-            <a:schemeClr val="accent1"/>
+            <a:schemeClr val="lt1"/>
           </a:fillRef>
           <a:effectRef idx="0">
             <a:schemeClr val="accent1"/>
           </a:effectRef>
           <a:fontRef idx="minor">
-            <a:schemeClr val="lt1"/>
+            <a:schemeClr val="dk1"/>
           </a:fontRef>
         </p:style>
         <p:txBody>
-          <a:bodyPr rtlCol="0" anchor="ctr"/>
+          <a:bodyPr vert="horz" lIns="91440" tIns="45720" rIns="91440" bIns="45720" rtlCol="0" anchor="ctr"/>
+          <a:lstStyle/>
+          <a:p>
+            <a:pPr algn="ctr">
+              <a:defRPr/>
+            </a:pPr>
+            <a:fld id="{6389AA22-90B4-448C-8B6B-C699140D38B9}" type="slidenum">
+              <a:rPr lang="uk-UA" sz="2400" b="1">
+                <a:solidFill>
+                  <a:schemeClr val="bg1">
+                    <a:lumMod val="50000"/>
+                  </a:schemeClr>
+                </a:solidFill>
+              </a:rPr>
+              <a:pPr algn="ctr">
+                <a:defRPr/>
+              </a:pPr>
+              <a:t>39</a:t>
+            </a:fld>
+            <a:endParaRPr lang="uk-UA" sz="2400" b="1" dirty="0">
+              <a:solidFill>
+                <a:schemeClr val="bg1">
+                  <a:lumMod val="50000"/>
+                </a:schemeClr>
+              </a:solidFill>
+            </a:endParaRPr>
+          </a:p>
+        </p:txBody>
+      </p:sp>
+      <p:sp>
+        <p:nvSpPr>
+          <p:cNvPr id="27" name="TextBox 26"/>
+          <p:cNvSpPr txBox="1"/>
+          <p:nvPr/>
+        </p:nvSpPr>
+        <p:spPr>
+          <a:xfrm>
+            <a:off x="5807968" y="2492896"/>
+            <a:ext cx="5688632" cy="3046988"/>
+          </a:xfrm>
+          <a:prstGeom prst="rect">
+            <a:avLst/>
+          </a:prstGeom>
+          <a:noFill/>
+        </p:spPr>
+        <p:txBody>
+          <a:bodyPr wrap="square" rtlCol="0">
+            <a:spAutoFit/>
+          </a:bodyPr>
+          <a:lstStyle/>
+          <a:p>
+            <a:r>
+              <a:rPr lang="ru-RU" sz="3200" dirty="0"/>
+              <a:t>Пользователь вводит ИНН (физ. лица Украины). Необходимо определить: </a:t>
+            </a:r>
+            <a:r>
+              <a:rPr lang="ru-RU" sz="3200" b="1" dirty="0"/>
+              <a:t>корректен ли код</a:t>
+            </a:r>
+            <a:r>
+              <a:rPr lang="ru-RU" sz="3200" dirty="0"/>
+              <a:t>, узнать </a:t>
+            </a:r>
+            <a:r>
+              <a:rPr lang="ru-RU" sz="3200" b="1" dirty="0"/>
+              <a:t>дату рождения</a:t>
+            </a:r>
+            <a:r>
+              <a:rPr lang="ru-RU" sz="3200" dirty="0"/>
+              <a:t>, определить </a:t>
+            </a:r>
+            <a:r>
+              <a:rPr lang="ru-RU" sz="3200" b="1" dirty="0"/>
+              <a:t>пол</a:t>
+            </a:r>
+            <a:r>
+              <a:rPr lang="ru-RU" sz="3200" dirty="0"/>
+              <a:t> и сколько </a:t>
+            </a:r>
+            <a:r>
+              <a:rPr lang="ru-RU" sz="3200" b="1" dirty="0"/>
+              <a:t>полных лет </a:t>
+            </a:r>
+            <a:r>
+              <a:rPr lang="ru-RU" sz="3200" dirty="0"/>
+              <a:t>человеку</a:t>
+            </a:r>
+            <a:r>
+              <a:rPr lang="en-US" sz="3200" dirty="0"/>
+              <a:t>. </a:t>
+            </a:r>
+            <a:r>
+              <a:rPr lang="ru-RU" sz="3200" dirty="0"/>
+              <a:t> </a:t>
+            </a:r>
+          </a:p>
+        </p:txBody>
+      </p:sp>
+      <p:sp>
+        <p:nvSpPr>
+          <p:cNvPr id="3" name="TextBox 2"/>
+          <p:cNvSpPr txBox="1"/>
+          <p:nvPr/>
+        </p:nvSpPr>
+        <p:spPr>
+          <a:xfrm>
+            <a:off x="0" y="332656"/>
+            <a:ext cx="12192000" cy="1200329"/>
+          </a:xfrm>
+          <a:prstGeom prst="rect">
+            <a:avLst/>
+          </a:prstGeom>
+          <a:noFill/>
+        </p:spPr>
+        <p:txBody>
+          <a:bodyPr wrap="square" rtlCol="0">
+            <a:spAutoFit/>
+          </a:bodyPr>
           <a:lstStyle/>
           <a:p>
             <a:pPr algn="ctr"/>
             <a:r>
-              <a:rPr lang="ru-RU" sz="6000" b="1" dirty="0"/>
-              <a:t>На следующем занятии</a:t>
-            </a:r>
-            <a:endParaRPr lang="uk-UA" sz="6000" b="1" dirty="0"/>
-          </a:p>
-        </p:txBody>
-      </p:sp>
+              <a:rPr lang="ru-RU" sz="3600" b="1" dirty="0"/>
+              <a:t>Домашнее задание </a:t>
+            </a:r>
+            <a:r>
+              <a:rPr lang="en-US" sz="3600" b="1" dirty="0">
+                <a:solidFill>
+                  <a:schemeClr val="accent6">
+                    <a:lumMod val="75000"/>
+                  </a:schemeClr>
+                </a:solidFill>
+              </a:rPr>
+              <a:t>#</a:t>
+            </a:r>
+            <a:r>
+              <a:rPr lang="ru-RU" sz="3600" b="1" dirty="0">
+                <a:solidFill>
+                  <a:schemeClr val="accent6">
+                    <a:lumMod val="75000"/>
+                  </a:schemeClr>
+                </a:solidFill>
+              </a:rPr>
+              <a:t>С</a:t>
+            </a:r>
+            <a:r>
+              <a:rPr lang="en-US" sz="3600" b="1" dirty="0">
+                <a:solidFill>
+                  <a:schemeClr val="accent6">
+                    <a:lumMod val="75000"/>
+                  </a:schemeClr>
+                </a:solidFill>
+              </a:rPr>
+              <a:t>.</a:t>
+            </a:r>
+            <a:r>
+              <a:rPr lang="ru-RU" sz="3600" b="1" dirty="0">
+                <a:solidFill>
+                  <a:schemeClr val="accent6">
+                    <a:lumMod val="75000"/>
+                  </a:schemeClr>
+                </a:solidFill>
+              </a:rPr>
+              <a:t>1</a:t>
+            </a:r>
+            <a:r>
+              <a:rPr lang="en-US" sz="3600" b="1" dirty="0"/>
+              <a:t>  </a:t>
+            </a:r>
+            <a:endParaRPr lang="ru-RU" sz="3600" b="1" dirty="0"/>
+          </a:p>
+          <a:p>
+            <a:pPr algn="ctr"/>
+            <a:r>
+              <a:rPr lang="ru-RU" sz="3600" b="1" dirty="0"/>
+              <a:t>«Проверка ИНН»</a:t>
+            </a:r>
+            <a:endParaRPr lang="uk-UA" sz="3600" b="1" dirty="0">
+              <a:solidFill>
+                <a:schemeClr val="accent6">
+                  <a:lumMod val="75000"/>
+                </a:schemeClr>
+              </a:solidFill>
+            </a:endParaRPr>
+          </a:p>
+        </p:txBody>
+      </p:sp>
+      <p:sp>
+        <p:nvSpPr>
+          <p:cNvPr id="8" name="TextBox 7"/>
+          <p:cNvSpPr txBox="1"/>
+          <p:nvPr/>
+        </p:nvSpPr>
+        <p:spPr>
+          <a:xfrm>
+            <a:off x="767408" y="5277479"/>
+            <a:ext cx="4526868" cy="738664"/>
+          </a:xfrm>
+          <a:prstGeom prst="rect">
+            <a:avLst/>
+          </a:prstGeom>
+          <a:solidFill>
+            <a:schemeClr val="accent3">
+              <a:lumMod val="20000"/>
+              <a:lumOff val="80000"/>
+            </a:schemeClr>
+          </a:solidFill>
+          <a:ln>
+            <a:solidFill>
+              <a:srgbClr val="92D050"/>
+            </a:solidFill>
+          </a:ln>
+          <a:effectLst>
+            <a:outerShdw blurRad="50800" dist="38100" dir="2700000" algn="tl" rotWithShape="0">
+              <a:prstClr val="black">
+                <a:alpha val="40000"/>
+              </a:prstClr>
+            </a:outerShdw>
+          </a:effectLst>
+        </p:spPr>
+        <p:txBody>
+          <a:bodyPr wrap="square" rtlCol="0">
+            <a:spAutoFit/>
+          </a:bodyPr>
+          <a:lstStyle/>
+          <a:p>
+            <a:r>
+              <a:rPr lang="ru-RU" sz="1400" i="1" dirty="0"/>
+              <a:t>Для проверки:</a:t>
+            </a:r>
+          </a:p>
+          <a:p>
+            <a:r>
+              <a:rPr lang="ru-RU" sz="1400" b="1" i="1" dirty="0"/>
+              <a:t>3463463460</a:t>
+            </a:r>
+            <a:r>
+              <a:rPr lang="ru-RU" sz="1400" i="1" dirty="0"/>
+              <a:t> – пол женский, </a:t>
+            </a:r>
+            <a:r>
+              <a:rPr lang="ru-RU" sz="1400" i="1" dirty="0" err="1"/>
+              <a:t>д.р</a:t>
+            </a:r>
+            <a:r>
+              <a:rPr lang="ru-RU" sz="1400" i="1" dirty="0"/>
+              <a:t>. 28.10.1994; </a:t>
+            </a:r>
+          </a:p>
+          <a:p>
+            <a:r>
+              <a:rPr lang="ru-RU" sz="1400" b="1" i="1" dirty="0"/>
+              <a:t>2063463479</a:t>
+            </a:r>
+            <a:r>
+              <a:rPr lang="ru-RU" sz="1400" i="1" dirty="0"/>
+              <a:t> – пол мужской, </a:t>
+            </a:r>
+            <a:r>
+              <a:rPr lang="ru-RU" sz="1400" i="1" dirty="0" err="1"/>
+              <a:t>д.р</a:t>
+            </a:r>
+            <a:r>
+              <a:rPr lang="ru-RU" sz="1400" i="1" dirty="0"/>
+              <a:t>. 29.06.1956.</a:t>
+            </a:r>
+            <a:endParaRPr lang="uk-UA" sz="1400" i="1" dirty="0"/>
+          </a:p>
+        </p:txBody>
+      </p:sp>
+      <p:pic>
+        <p:nvPicPr>
+          <p:cNvPr id="2050" name="Picture 2" descr="Ð ÐµÐ·ÑÐ»ÑÑÐ°Ñ Ð¿Ð¾ÑÑÐºÑ Ð·Ð¾Ð±ÑÐ°Ð¶ÐµÐ½Ñ Ð·Ð° Ð·Ð°Ð¿Ð¸ÑÐ¾Ð¼ &quot;ÑÐ¿Ð½&quot;"/>
+          <p:cNvPicPr>
+            <a:picLocks noChangeAspect="1" noChangeArrowheads="1"/>
+          </p:cNvPicPr>
+          <p:nvPr/>
+        </p:nvPicPr>
+        <p:blipFill>
+          <a:blip r:embed="rId2">
+            <a:extLst>
+              <a:ext uri="{28A0092B-C50C-407E-A947-70E740481C1C}">
+                <a14:useLocalDpi xmlns:a14="http://schemas.microsoft.com/office/drawing/2010/main" val="0"/>
+              </a:ext>
+            </a:extLst>
+          </a:blip>
+          <a:srcRect/>
+          <a:stretch>
+            <a:fillRect/>
+          </a:stretch>
+        </p:blipFill>
+        <p:spPr bwMode="auto">
+          <a:xfrm>
+            <a:off x="767408" y="1988840"/>
+            <a:ext cx="4526868" cy="2678397"/>
+          </a:xfrm>
+          <a:prstGeom prst="rect">
+            <a:avLst/>
+          </a:prstGeom>
+          <a:ln>
+            <a:solidFill>
+              <a:srgbClr val="92D050"/>
+            </a:solidFill>
+          </a:ln>
+          <a:effectLst>
+            <a:outerShdw blurRad="292100" dist="139700" dir="2700000" algn="tl" rotWithShape="0">
+              <a:srgbClr val="333333">
+                <a:alpha val="65000"/>
+              </a:srgbClr>
+            </a:outerShdw>
+          </a:effectLst>
+          <a:extLst>
+            <a:ext uri="{909E8E84-426E-40DD-AFC4-6F175D3DCCD1}">
+              <a14:hiddenFill xmlns:a14="http://schemas.microsoft.com/office/drawing/2010/main">
+                <a:solidFill>
+                  <a:srgbClr val="FFFFFF"/>
+                </a:solidFill>
+              </a14:hiddenFill>
+            </a:ext>
+          </a:extLst>
+        </p:spPr>
+      </p:pic>
     </p:spTree>
     <p:extLst>
       <p:ext uri="{BB962C8B-B14F-4D97-AF65-F5344CB8AC3E}">
-        <p14:creationId xmlns:p14="http://schemas.microsoft.com/office/powerpoint/2010/main" val="4058259034"/>
+        <p14:creationId xmlns:p14="http://schemas.microsoft.com/office/powerpoint/2010/main" val="4023351221"/>
       </p:ext>
     </p:extLst>
   </p:cSld>
@@ -13225,224 +13042,7 @@
       </p:grpSpPr>
       <p:sp>
         <p:nvSpPr>
-          <p:cNvPr id="3" name="TextBox 2"/>
-          <p:cNvSpPr txBox="1"/>
-          <p:nvPr/>
-        </p:nvSpPr>
-        <p:spPr>
-          <a:xfrm>
-            <a:off x="-1" y="2924944"/>
-            <a:ext cx="12192001" cy="1754326"/>
-          </a:xfrm>
-          <a:prstGeom prst="rect">
-            <a:avLst/>
-          </a:prstGeom>
-          <a:noFill/>
-        </p:spPr>
-        <p:txBody>
-          <a:bodyPr wrap="square" rtlCol="0">
-            <a:spAutoFit/>
-          </a:bodyPr>
-          <a:lstStyle/>
-          <a:p>
-            <a:pPr algn="ctr"/>
-            <a:r>
-              <a:rPr lang="ru-RU" sz="5400" b="1" dirty="0"/>
-              <a:t>Работа с </a:t>
-            </a:r>
-            <a:r>
-              <a:rPr lang="en-US" sz="5400" b="1" dirty="0">
-                <a:solidFill>
-                  <a:srgbClr val="00B050"/>
-                </a:solidFill>
-              </a:rPr>
-              <a:t>DOM</a:t>
-            </a:r>
-            <a:r>
-              <a:rPr lang="en-US" sz="5400" b="1" dirty="0"/>
-              <a:t> </a:t>
-            </a:r>
-            <a:endParaRPr lang="ru-RU" sz="5400" b="1" dirty="0"/>
-          </a:p>
-          <a:p>
-            <a:pPr algn="ctr"/>
-            <a:r>
-              <a:rPr lang="en-US" sz="5400" dirty="0"/>
-              <a:t>(</a:t>
-            </a:r>
-            <a:r>
-              <a:rPr lang="ru-RU" sz="5400" b="1" dirty="0">
-                <a:solidFill>
-                  <a:schemeClr val="accent6">
-                    <a:lumMod val="75000"/>
-                  </a:schemeClr>
-                </a:solidFill>
-              </a:rPr>
-              <a:t>работа с разметкой документа</a:t>
-            </a:r>
-            <a:r>
-              <a:rPr lang="en-US" sz="5400" dirty="0"/>
-              <a:t>)</a:t>
-            </a:r>
-            <a:endParaRPr lang="ru-RU" sz="5400" b="1" dirty="0">
-              <a:solidFill>
-                <a:srgbClr val="00B050"/>
-              </a:solidFill>
-            </a:endParaRPr>
-          </a:p>
-        </p:txBody>
-      </p:sp>
-      <p:sp>
-        <p:nvSpPr>
-          <p:cNvPr id="5" name="TextBox 4"/>
-          <p:cNvSpPr txBox="1"/>
-          <p:nvPr/>
-        </p:nvSpPr>
-        <p:spPr>
-          <a:xfrm>
-            <a:off x="-1" y="1052736"/>
-            <a:ext cx="12192001" cy="769441"/>
-          </a:xfrm>
-          <a:prstGeom prst="rect">
-            <a:avLst/>
-          </a:prstGeom>
-          <a:noFill/>
-        </p:spPr>
-        <p:txBody>
-          <a:bodyPr wrap="square" rtlCol="0">
-            <a:spAutoFit/>
-          </a:bodyPr>
-          <a:lstStyle/>
-          <a:p>
-            <a:pPr algn="ctr"/>
-            <a:r>
-              <a:rPr lang="ru-RU" sz="4400" b="1" dirty="0"/>
-              <a:t>На следующем занятии</a:t>
-            </a:r>
-          </a:p>
-        </p:txBody>
-      </p:sp>
-    </p:spTree>
-    <p:extLst>
-      <p:ext uri="{BB962C8B-B14F-4D97-AF65-F5344CB8AC3E}">
-        <p14:creationId xmlns:p14="http://schemas.microsoft.com/office/powerpoint/2010/main" val="1460045381"/>
-      </p:ext>
-    </p:extLst>
-  </p:cSld>
-  <p:clrMapOvr>
-    <a:masterClrMapping/>
-  </p:clrMapOvr>
-</p:sld>
-</file>
-
-<file path=ppt/slides/slide41.xml><?xml version="1.0" encoding="utf-8"?>
-<p:sld xmlns:a="http://schemas.openxmlformats.org/drawingml/2006/main" xmlns:r="http://schemas.openxmlformats.org/officeDocument/2006/relationships" xmlns:p="http://schemas.openxmlformats.org/presentationml/2006/main">
-  <p:cSld>
-    <p:spTree>
-      <p:nvGrpSpPr>
-        <p:cNvPr id="1" name=""/>
-        <p:cNvGrpSpPr/>
-        <p:nvPr/>
-      </p:nvGrpSpPr>
-      <p:grpSpPr>
-        <a:xfrm>
-          <a:off x="0" y="0"/>
-          <a:ext cx="0" cy="0"/>
-          <a:chOff x="0" y="0"/>
-          <a:chExt cx="0" cy="0"/>
-        </a:xfrm>
-      </p:grpSpPr>
-      <p:sp>
-        <p:nvSpPr>
-          <p:cNvPr id="5" name="Прямоугольник 4"/>
-          <p:cNvSpPr/>
-          <p:nvPr/>
-        </p:nvSpPr>
-        <p:spPr>
-          <a:xfrm>
-            <a:off x="0" y="0"/>
-            <a:ext cx="12192000" cy="6858000"/>
-          </a:xfrm>
-          <a:prstGeom prst="rect">
-            <a:avLst/>
-          </a:prstGeom>
-          <a:solidFill>
-            <a:srgbClr val="002060"/>
-          </a:solidFill>
-        </p:spPr>
-        <p:style>
-          <a:lnRef idx="2">
-            <a:schemeClr val="accent1">
-              <a:shade val="50000"/>
-            </a:schemeClr>
-          </a:lnRef>
-          <a:fillRef idx="1">
-            <a:schemeClr val="accent1"/>
-          </a:fillRef>
-          <a:effectRef idx="0">
-            <a:schemeClr val="accent1"/>
-          </a:effectRef>
-          <a:fontRef idx="minor">
-            <a:schemeClr val="lt1"/>
-          </a:fontRef>
-        </p:style>
-        <p:txBody>
-          <a:bodyPr rtlCol="0" anchor="ctr"/>
-          <a:lstStyle/>
-          <a:p>
-            <a:pPr algn="ctr"/>
-            <a:r>
-              <a:rPr lang="ru-RU" sz="6000" b="1" dirty="0">
-                <a:solidFill>
-                  <a:srgbClr val="FFC000"/>
-                </a:solidFill>
-              </a:rPr>
-              <a:t>Домашнее задание </a:t>
-            </a:r>
-          </a:p>
-          <a:p>
-            <a:pPr algn="ctr"/>
-            <a:r>
-              <a:rPr lang="ru-RU" sz="6000" b="1" dirty="0"/>
-              <a:t>/сделать</a:t>
-            </a:r>
-            <a:endParaRPr lang="uk-UA" sz="6000" b="1" dirty="0"/>
-          </a:p>
-        </p:txBody>
-      </p:sp>
-    </p:spTree>
-    <p:extLst>
-      <p:ext uri="{BB962C8B-B14F-4D97-AF65-F5344CB8AC3E}">
-        <p14:creationId xmlns:p14="http://schemas.microsoft.com/office/powerpoint/2010/main" val="812048618"/>
-      </p:ext>
-    </p:extLst>
-  </p:cSld>
-  <p:clrMapOvr>
-    <a:masterClrMapping/>
-  </p:clrMapOvr>
-</p:sld>
-</file>
-
-<file path=ppt/slides/slide42.xml><?xml version="1.0" encoding="utf-8"?>
-<p:sld xmlns:a="http://schemas.openxmlformats.org/drawingml/2006/main" xmlns:r="http://schemas.openxmlformats.org/officeDocument/2006/relationships" xmlns:p="http://schemas.openxmlformats.org/presentationml/2006/main">
-  <p:cSld>
-    <p:spTree>
-      <p:nvGrpSpPr>
-        <p:cNvPr id="1" name=""/>
-        <p:cNvGrpSpPr/>
-        <p:nvPr/>
-      </p:nvGrpSpPr>
-      <p:grpSpPr>
-        <a:xfrm>
-          <a:off x="0" y="0"/>
-          <a:ext cx="0" cy="0"/>
-          <a:chOff x="0" y="0"/>
-          <a:chExt cx="0" cy="0"/>
-        </a:xfrm>
-      </p:grpSpPr>
-      <p:sp>
-        <p:nvSpPr>
-          <p:cNvPr id="20" name="Номер слайда 36"/>
+          <p:cNvPr id="6" name="Номер слайда 36"/>
           <p:cNvSpPr txBox="1">
             <a:spLocks/>
           </p:cNvSpPr>
@@ -13450,7 +13050,7 @@
         </p:nvSpPr>
         <p:spPr>
           <a:xfrm>
-            <a:off x="11172564" y="6164170"/>
+            <a:off x="11111880" y="6205954"/>
             <a:ext cx="648072" cy="432048"/>
           </a:xfrm>
           <a:prstGeom prst="roundRect">
@@ -13498,400 +13098,7 @@
               <a:pPr algn="ctr">
                 <a:defRPr/>
               </a:pPr>
-              <a:t>42</a:t>
-            </a:fld>
-            <a:endParaRPr lang="uk-UA" sz="2400" b="1" dirty="0">
-              <a:solidFill>
-                <a:schemeClr val="bg1">
-                  <a:lumMod val="50000"/>
-                </a:schemeClr>
-              </a:solidFill>
-            </a:endParaRPr>
-          </a:p>
-        </p:txBody>
-      </p:sp>
-      <p:sp>
-        <p:nvSpPr>
-          <p:cNvPr id="27" name="TextBox 26"/>
-          <p:cNvSpPr txBox="1"/>
-          <p:nvPr/>
-        </p:nvSpPr>
-        <p:spPr>
-          <a:xfrm>
-            <a:off x="5807968" y="2492896"/>
-            <a:ext cx="5688632" cy="3046988"/>
-          </a:xfrm>
-          <a:prstGeom prst="rect">
-            <a:avLst/>
-          </a:prstGeom>
-          <a:noFill/>
-        </p:spPr>
-        <p:txBody>
-          <a:bodyPr wrap="square" rtlCol="0">
-            <a:spAutoFit/>
-          </a:bodyPr>
-          <a:lstStyle/>
-          <a:p>
-            <a:r>
-              <a:rPr lang="ru-RU" sz="3200" dirty="0"/>
-              <a:t>Пользователь вводит ИНН (физ. лица Украины). Необходимо определить: </a:t>
-            </a:r>
-            <a:r>
-              <a:rPr lang="ru-RU" sz="3200" b="1" dirty="0"/>
-              <a:t>корректен ли код</a:t>
-            </a:r>
-            <a:r>
-              <a:rPr lang="ru-RU" sz="3200" dirty="0"/>
-              <a:t>, узнать </a:t>
-            </a:r>
-            <a:r>
-              <a:rPr lang="ru-RU" sz="3200" b="1" dirty="0"/>
-              <a:t>дату рождения</a:t>
-            </a:r>
-            <a:r>
-              <a:rPr lang="ru-RU" sz="3200" dirty="0"/>
-              <a:t>, определить </a:t>
-            </a:r>
-            <a:r>
-              <a:rPr lang="ru-RU" sz="3200" b="1" dirty="0"/>
-              <a:t>пол</a:t>
-            </a:r>
-            <a:r>
-              <a:rPr lang="ru-RU" sz="3200" dirty="0"/>
-              <a:t> и сколько </a:t>
-            </a:r>
-            <a:r>
-              <a:rPr lang="ru-RU" sz="3200" b="1" dirty="0"/>
-              <a:t>полных лет </a:t>
-            </a:r>
-            <a:r>
-              <a:rPr lang="ru-RU" sz="3200" dirty="0"/>
-              <a:t>человеку</a:t>
-            </a:r>
-            <a:r>
-              <a:rPr lang="en-US" sz="3200" dirty="0"/>
-              <a:t>. </a:t>
-            </a:r>
-            <a:r>
-              <a:rPr lang="ru-RU" sz="3200" dirty="0"/>
-              <a:t> </a:t>
-            </a:r>
-          </a:p>
-        </p:txBody>
-      </p:sp>
-      <p:sp>
-        <p:nvSpPr>
-          <p:cNvPr id="3" name="TextBox 2"/>
-          <p:cNvSpPr txBox="1"/>
-          <p:nvPr/>
-        </p:nvSpPr>
-        <p:spPr>
-          <a:xfrm>
-            <a:off x="0" y="332656"/>
-            <a:ext cx="12192000" cy="1200329"/>
-          </a:xfrm>
-          <a:prstGeom prst="rect">
-            <a:avLst/>
-          </a:prstGeom>
-          <a:noFill/>
-        </p:spPr>
-        <p:txBody>
-          <a:bodyPr wrap="square" rtlCol="0">
-            <a:spAutoFit/>
-          </a:bodyPr>
-          <a:lstStyle/>
-          <a:p>
-            <a:pPr algn="ctr"/>
-            <a:r>
-              <a:rPr lang="ru-RU" sz="3600" b="1" dirty="0"/>
-              <a:t>Домашнее задание </a:t>
-            </a:r>
-            <a:r>
-              <a:rPr lang="en-US" sz="3600" b="1" dirty="0">
-                <a:solidFill>
-                  <a:schemeClr val="accent6">
-                    <a:lumMod val="75000"/>
-                  </a:schemeClr>
-                </a:solidFill>
-              </a:rPr>
-              <a:t>#</a:t>
-            </a:r>
-            <a:r>
-              <a:rPr lang="ru-RU" sz="3600" b="1" dirty="0">
-                <a:solidFill>
-                  <a:schemeClr val="accent6">
-                    <a:lumMod val="75000"/>
-                  </a:schemeClr>
-                </a:solidFill>
-              </a:rPr>
-              <a:t>С</a:t>
-            </a:r>
-            <a:r>
-              <a:rPr lang="en-US" sz="3600" b="1" dirty="0">
-                <a:solidFill>
-                  <a:schemeClr val="accent6">
-                    <a:lumMod val="75000"/>
-                  </a:schemeClr>
-                </a:solidFill>
-              </a:rPr>
-              <a:t>.</a:t>
-            </a:r>
-            <a:r>
-              <a:rPr lang="ru-RU" sz="3600" b="1" dirty="0">
-                <a:solidFill>
-                  <a:schemeClr val="accent6">
-                    <a:lumMod val="75000"/>
-                  </a:schemeClr>
-                </a:solidFill>
-              </a:rPr>
-              <a:t>1</a:t>
-            </a:r>
-            <a:r>
-              <a:rPr lang="en-US" sz="3600" b="1" dirty="0"/>
-              <a:t>  </a:t>
-            </a:r>
-            <a:endParaRPr lang="ru-RU" sz="3600" b="1" dirty="0"/>
-          </a:p>
-          <a:p>
-            <a:pPr algn="ctr"/>
-            <a:r>
-              <a:rPr lang="ru-RU" sz="3600" b="1" dirty="0"/>
-              <a:t>«Проверка ИНН»</a:t>
-            </a:r>
-            <a:endParaRPr lang="uk-UA" sz="3600" b="1" dirty="0">
-              <a:solidFill>
-                <a:schemeClr val="accent6">
-                  <a:lumMod val="75000"/>
-                </a:schemeClr>
-              </a:solidFill>
-            </a:endParaRPr>
-          </a:p>
-        </p:txBody>
-      </p:sp>
-      <p:sp>
-        <p:nvSpPr>
-          <p:cNvPr id="8" name="TextBox 7"/>
-          <p:cNvSpPr txBox="1"/>
-          <p:nvPr/>
-        </p:nvSpPr>
-        <p:spPr>
-          <a:xfrm>
-            <a:off x="767408" y="5277479"/>
-            <a:ext cx="4526868" cy="738664"/>
-          </a:xfrm>
-          <a:prstGeom prst="rect">
-            <a:avLst/>
-          </a:prstGeom>
-          <a:solidFill>
-            <a:schemeClr val="accent3">
-              <a:lumMod val="20000"/>
-              <a:lumOff val="80000"/>
-            </a:schemeClr>
-          </a:solidFill>
-          <a:ln>
-            <a:solidFill>
-              <a:srgbClr val="92D050"/>
-            </a:solidFill>
-          </a:ln>
-          <a:effectLst>
-            <a:outerShdw blurRad="50800" dist="38100" dir="2700000" algn="tl" rotWithShape="0">
-              <a:prstClr val="black">
-                <a:alpha val="40000"/>
-              </a:prstClr>
-            </a:outerShdw>
-          </a:effectLst>
-        </p:spPr>
-        <p:txBody>
-          <a:bodyPr wrap="square" rtlCol="0">
-            <a:spAutoFit/>
-          </a:bodyPr>
-          <a:lstStyle/>
-          <a:p>
-            <a:r>
-              <a:rPr lang="ru-RU" sz="1400" i="1" dirty="0"/>
-              <a:t>Для проверки:</a:t>
-            </a:r>
-          </a:p>
-          <a:p>
-            <a:r>
-              <a:rPr lang="ru-RU" sz="1400" b="1" i="1" dirty="0"/>
-              <a:t>3463463460</a:t>
-            </a:r>
-            <a:r>
-              <a:rPr lang="ru-RU" sz="1400" i="1" dirty="0"/>
-              <a:t> – пол женский, </a:t>
-            </a:r>
-            <a:r>
-              <a:rPr lang="ru-RU" sz="1400" i="1" dirty="0" err="1"/>
-              <a:t>д.р</a:t>
-            </a:r>
-            <a:r>
-              <a:rPr lang="ru-RU" sz="1400" i="1" dirty="0"/>
-              <a:t>. 28.10.1994; </a:t>
-            </a:r>
-          </a:p>
-          <a:p>
-            <a:r>
-              <a:rPr lang="ru-RU" sz="1400" b="1" i="1" dirty="0"/>
-              <a:t>2063463479</a:t>
-            </a:r>
-            <a:r>
-              <a:rPr lang="ru-RU" sz="1400" i="1" dirty="0"/>
-              <a:t> – пол мужской, </a:t>
-            </a:r>
-            <a:r>
-              <a:rPr lang="ru-RU" sz="1400" i="1" dirty="0" err="1"/>
-              <a:t>д.р</a:t>
-            </a:r>
-            <a:r>
-              <a:rPr lang="ru-RU" sz="1400" i="1" dirty="0"/>
-              <a:t>. 29.06.1956.</a:t>
-            </a:r>
-            <a:endParaRPr lang="uk-UA" sz="1400" i="1" dirty="0"/>
-          </a:p>
-        </p:txBody>
-      </p:sp>
-      <p:pic>
-        <p:nvPicPr>
-          <p:cNvPr id="2050" name="Picture 2" descr="Ð ÐµÐ·ÑÐ»ÑÑÐ°Ñ Ð¿Ð¾ÑÑÐºÑ Ð·Ð¾Ð±ÑÐ°Ð¶ÐµÐ½Ñ Ð·Ð° Ð·Ð°Ð¿Ð¸ÑÐ¾Ð¼ &quot;ÑÐ¿Ð½&quot;"/>
-          <p:cNvPicPr>
-            <a:picLocks noChangeAspect="1" noChangeArrowheads="1"/>
-          </p:cNvPicPr>
-          <p:nvPr/>
-        </p:nvPicPr>
-        <p:blipFill>
-          <a:blip r:embed="rId2">
-            <a:extLst>
-              <a:ext uri="{28A0092B-C50C-407E-A947-70E740481C1C}">
-                <a14:useLocalDpi xmlns:a14="http://schemas.microsoft.com/office/drawing/2010/main" val="0"/>
-              </a:ext>
-            </a:extLst>
-          </a:blip>
-          <a:srcRect/>
-          <a:stretch>
-            <a:fillRect/>
-          </a:stretch>
-        </p:blipFill>
-        <p:spPr bwMode="auto">
-          <a:xfrm>
-            <a:off x="767408" y="1988840"/>
-            <a:ext cx="4526868" cy="2678397"/>
-          </a:xfrm>
-          <a:prstGeom prst="rect">
-            <a:avLst/>
-          </a:prstGeom>
-          <a:ln>
-            <a:solidFill>
-              <a:srgbClr val="92D050"/>
-            </a:solidFill>
-          </a:ln>
-          <a:effectLst>
-            <a:outerShdw blurRad="292100" dist="139700" dir="2700000" algn="tl" rotWithShape="0">
-              <a:srgbClr val="333333">
-                <a:alpha val="65000"/>
-              </a:srgbClr>
-            </a:outerShdw>
-          </a:effectLst>
-          <a:extLst>
-            <a:ext uri="{909E8E84-426E-40DD-AFC4-6F175D3DCCD1}">
-              <a14:hiddenFill xmlns:a14="http://schemas.microsoft.com/office/drawing/2010/main">
-                <a:solidFill>
-                  <a:srgbClr val="FFFFFF"/>
-                </a:solidFill>
-              </a14:hiddenFill>
-            </a:ext>
-          </a:extLst>
-        </p:spPr>
-      </p:pic>
-    </p:spTree>
-    <p:extLst>
-      <p:ext uri="{BB962C8B-B14F-4D97-AF65-F5344CB8AC3E}">
-        <p14:creationId xmlns:p14="http://schemas.microsoft.com/office/powerpoint/2010/main" val="4023351221"/>
-      </p:ext>
-    </p:extLst>
-  </p:cSld>
-  <p:clrMapOvr>
-    <a:masterClrMapping/>
-  </p:clrMapOvr>
-</p:sld>
-</file>
-
-<file path=ppt/slides/slide43.xml><?xml version="1.0" encoding="utf-8"?>
-<p:sld xmlns:a="http://schemas.openxmlformats.org/drawingml/2006/main" xmlns:r="http://schemas.openxmlformats.org/officeDocument/2006/relationships" xmlns:p="http://schemas.openxmlformats.org/presentationml/2006/main">
-  <p:cSld>
-    <p:spTree>
-      <p:nvGrpSpPr>
-        <p:cNvPr id="1" name=""/>
-        <p:cNvGrpSpPr/>
-        <p:nvPr/>
-      </p:nvGrpSpPr>
-      <p:grpSpPr>
-        <a:xfrm>
-          <a:off x="0" y="0"/>
-          <a:ext cx="0" cy="0"/>
-          <a:chOff x="0" y="0"/>
-          <a:chExt cx="0" cy="0"/>
-        </a:xfrm>
-      </p:grpSpPr>
-      <p:sp>
-        <p:nvSpPr>
-          <p:cNvPr id="6" name="Номер слайда 36"/>
-          <p:cNvSpPr txBox="1">
-            <a:spLocks/>
-          </p:cNvSpPr>
-          <p:nvPr/>
-        </p:nvSpPr>
-        <p:spPr>
-          <a:xfrm>
-            <a:off x="11111880" y="6205954"/>
-            <a:ext cx="648072" cy="432048"/>
-          </a:xfrm>
-          <a:prstGeom prst="roundRect">
-            <a:avLst/>
-          </a:prstGeom>
-          <a:ln w="25400" cap="flat" cmpd="sng" algn="ctr">
-            <a:solidFill>
-              <a:schemeClr val="tx2">
-                <a:lumMod val="60000"/>
-                <a:lumOff val="40000"/>
-              </a:schemeClr>
-            </a:solidFill>
-            <a:prstDash val="solid"/>
-          </a:ln>
-        </p:spPr>
-        <p:style>
-          <a:lnRef idx="2">
-            <a:schemeClr val="accent1"/>
-          </a:lnRef>
-          <a:fillRef idx="1">
-            <a:schemeClr val="lt1"/>
-          </a:fillRef>
-          <a:effectRef idx="0">
-            <a:schemeClr val="accent1"/>
-          </a:effectRef>
-          <a:fontRef idx="minor">
-            <a:schemeClr val="dk1"/>
-          </a:fontRef>
-        </p:style>
-        <p:txBody>
-          <a:bodyPr vert="horz" lIns="91440" tIns="45720" rIns="91440" bIns="45720" rtlCol="0" anchor="ctr"/>
-          <a:lstStyle/>
-          <a:p>
-            <a:pPr algn="ctr">
-              <a:defRPr/>
-            </a:pPr>
-            <a:fld id="{6389AA22-90B4-448C-8B6B-C699140D38B9}" type="slidenum">
-              <a:rPr lang="uk-UA" sz="2400" b="1">
-                <a:solidFill>
-                  <a:schemeClr val="bg1">
-                    <a:lumMod val="50000"/>
-                  </a:schemeClr>
-                </a:solidFill>
-              </a:rPr>
-              <a:pPr algn="ctr">
-                <a:defRPr/>
-              </a:pPr>
-              <a:t>43</a:t>
+              <a:t>40</a:t>
             </a:fld>
             <a:endParaRPr lang="uk-UA" sz="2400" b="1" dirty="0">
               <a:solidFill>
